--- a/doc/Figures.pptx
+++ b/doc/Figures.pptx
@@ -6,6 +6,7 @@
   </p:sldMasterIdLst>
   <p:sldIdLst>
     <p:sldId id="256" r:id="rId2"/>
+    <p:sldId id="257" r:id="rId3"/>
   </p:sldIdLst>
   <p:sldSz cx="9144000" cy="6858000" type="screen4x3"/>
   <p:notesSz cx="6858000" cy="9144000"/>
@@ -289,7 +290,7 @@
             <a:fld id="{7A847CFC-816F-41D0-AAC0-9BF4FEBC753E}" type="datetimeFigureOut">
               <a:rPr lang="es-ES" smtClean="0"/>
               <a:pPr/>
-              <a:t>03/02/2014</a:t>
+              <a:t>06/02/2014</a:t>
             </a:fld>
             <a:endParaRPr lang="es-ES"/>
           </a:p>
@@ -456,7 +457,7 @@
             <a:fld id="{7A847CFC-816F-41D0-AAC0-9BF4FEBC753E}" type="datetimeFigureOut">
               <a:rPr lang="es-ES" smtClean="0"/>
               <a:pPr/>
-              <a:t>03/02/2014</a:t>
+              <a:t>06/02/2014</a:t>
             </a:fld>
             <a:endParaRPr lang="es-ES"/>
           </a:p>
@@ -633,7 +634,7 @@
             <a:fld id="{7A847CFC-816F-41D0-AAC0-9BF4FEBC753E}" type="datetimeFigureOut">
               <a:rPr lang="es-ES" smtClean="0"/>
               <a:pPr/>
-              <a:t>03/02/2014</a:t>
+              <a:t>06/02/2014</a:t>
             </a:fld>
             <a:endParaRPr lang="es-ES"/>
           </a:p>
@@ -800,7 +801,7 @@
             <a:fld id="{7A847CFC-816F-41D0-AAC0-9BF4FEBC753E}" type="datetimeFigureOut">
               <a:rPr lang="es-ES" smtClean="0"/>
               <a:pPr/>
-              <a:t>03/02/2014</a:t>
+              <a:t>06/02/2014</a:t>
             </a:fld>
             <a:endParaRPr lang="es-ES"/>
           </a:p>
@@ -1043,7 +1044,7 @@
             <a:fld id="{7A847CFC-816F-41D0-AAC0-9BF4FEBC753E}" type="datetimeFigureOut">
               <a:rPr lang="es-ES" smtClean="0"/>
               <a:pPr/>
-              <a:t>03/02/2014</a:t>
+              <a:t>06/02/2014</a:t>
             </a:fld>
             <a:endParaRPr lang="es-ES"/>
           </a:p>
@@ -1328,7 +1329,7 @@
             <a:fld id="{7A847CFC-816F-41D0-AAC0-9BF4FEBC753E}" type="datetimeFigureOut">
               <a:rPr lang="es-ES" smtClean="0"/>
               <a:pPr/>
-              <a:t>03/02/2014</a:t>
+              <a:t>06/02/2014</a:t>
             </a:fld>
             <a:endParaRPr lang="es-ES"/>
           </a:p>
@@ -1747,7 +1748,7 @@
             <a:fld id="{7A847CFC-816F-41D0-AAC0-9BF4FEBC753E}" type="datetimeFigureOut">
               <a:rPr lang="es-ES" smtClean="0"/>
               <a:pPr/>
-              <a:t>03/02/2014</a:t>
+              <a:t>06/02/2014</a:t>
             </a:fld>
             <a:endParaRPr lang="es-ES"/>
           </a:p>
@@ -1862,7 +1863,7 @@
             <a:fld id="{7A847CFC-816F-41D0-AAC0-9BF4FEBC753E}" type="datetimeFigureOut">
               <a:rPr lang="es-ES" smtClean="0"/>
               <a:pPr/>
-              <a:t>03/02/2014</a:t>
+              <a:t>06/02/2014</a:t>
             </a:fld>
             <a:endParaRPr lang="es-ES"/>
           </a:p>
@@ -1954,7 +1955,7 @@
             <a:fld id="{7A847CFC-816F-41D0-AAC0-9BF4FEBC753E}" type="datetimeFigureOut">
               <a:rPr lang="es-ES" smtClean="0"/>
               <a:pPr/>
-              <a:t>03/02/2014</a:t>
+              <a:t>06/02/2014</a:t>
             </a:fld>
             <a:endParaRPr lang="es-ES"/>
           </a:p>
@@ -2228,7 +2229,7 @@
             <a:fld id="{7A847CFC-816F-41D0-AAC0-9BF4FEBC753E}" type="datetimeFigureOut">
               <a:rPr lang="es-ES" smtClean="0"/>
               <a:pPr/>
-              <a:t>03/02/2014</a:t>
+              <a:t>06/02/2014</a:t>
             </a:fld>
             <a:endParaRPr lang="es-ES"/>
           </a:p>
@@ -2478,7 +2479,7 @@
             <a:fld id="{7A847CFC-816F-41D0-AAC0-9BF4FEBC753E}" type="datetimeFigureOut">
               <a:rPr lang="es-ES" smtClean="0"/>
               <a:pPr/>
-              <a:t>03/02/2014</a:t>
+              <a:t>06/02/2014</a:t>
             </a:fld>
             <a:endParaRPr lang="es-ES"/>
           </a:p>
@@ -2688,7 +2689,7 @@
             <a:fld id="{7A847CFC-816F-41D0-AAC0-9BF4FEBC753E}" type="datetimeFigureOut">
               <a:rPr lang="es-ES" smtClean="0"/>
               <a:pPr/>
-              <a:t>03/02/2014</a:t>
+              <a:t>06/02/2014</a:t>
             </a:fld>
             <a:endParaRPr lang="es-ES"/>
           </a:p>
@@ -3067,10 +3068,10 @@
         </p:nvGrpSpPr>
         <p:grpSpPr>
           <a:xfrm>
-            <a:off x="899592" y="-99392"/>
-            <a:ext cx="5002460" cy="7114914"/>
+            <a:off x="-252536" y="-99392"/>
+            <a:ext cx="5002460" cy="7317432"/>
             <a:chOff x="899592" y="-99392"/>
-            <a:chExt cx="5002460" cy="7114914"/>
+            <a:chExt cx="5002460" cy="7317432"/>
           </a:xfrm>
         </p:grpSpPr>
         <p:sp>
@@ -3087,6 +3088,18 @@
             <a:prstGeom prst="rect">
               <a:avLst/>
             </a:prstGeom>
+            <a:solidFill>
+              <a:schemeClr val="bg1">
+                <a:lumMod val="75000"/>
+              </a:schemeClr>
+            </a:solidFill>
+            <a:ln>
+              <a:solidFill>
+                <a:schemeClr val="bg1">
+                  <a:lumMod val="50000"/>
+                </a:schemeClr>
+              </a:solidFill>
+            </a:ln>
           </p:spPr>
           <p:style>
             <a:lnRef idx="2">
@@ -3110,18 +3123,34 @@
             <a:p>
               <a:pPr algn="ctr"/>
               <a:r>
-                <a:rPr lang="es-ES" dirty="0" err="1" smtClean="0"/>
+                <a:rPr lang="es-ES" dirty="0" err="1" smtClean="0">
+                  <a:solidFill>
+                    <a:schemeClr val="tx1"/>
+                  </a:solidFill>
+                </a:rPr>
                 <a:t>Query</a:t>
               </a:r>
               <a:r>
-                <a:rPr lang="es-ES" dirty="0" smtClean="0"/>
+                <a:rPr lang="es-ES" dirty="0" smtClean="0">
+                  <a:solidFill>
+                    <a:schemeClr val="tx1"/>
+                  </a:solidFill>
+                </a:rPr>
                 <a:t> </a:t>
               </a:r>
               <a:r>
-                <a:rPr lang="es-ES" dirty="0" err="1" smtClean="0"/>
+                <a:rPr lang="es-ES" dirty="0" err="1" smtClean="0">
+                  <a:solidFill>
+                    <a:schemeClr val="tx1"/>
+                  </a:solidFill>
+                </a:rPr>
                 <a:t>Repository</a:t>
               </a:r>
-              <a:endParaRPr lang="es-ES" dirty="0"/>
+              <a:endParaRPr lang="es-ES" dirty="0">
+                <a:solidFill>
+                  <a:schemeClr val="tx1"/>
+                </a:solidFill>
+              </a:endParaRPr>
             </a:p>
           </p:txBody>
         </p:sp>
@@ -3139,16 +3168,23 @@
             <a:prstGeom prst="ellipse">
               <a:avLst/>
             </a:prstGeom>
+            <a:ln w="28575">
+              <a:solidFill>
+                <a:schemeClr val="accent6">
+                  <a:lumMod val="75000"/>
+                </a:schemeClr>
+              </a:solidFill>
+            </a:ln>
           </p:spPr>
           <p:style>
             <a:lnRef idx="1">
-              <a:schemeClr val="accent1"/>
+              <a:schemeClr val="accent6"/>
             </a:lnRef>
             <a:fillRef idx="2">
-              <a:schemeClr val="accent1"/>
+              <a:schemeClr val="accent6"/>
             </a:fillRef>
             <a:effectRef idx="1">
-              <a:schemeClr val="accent1"/>
+              <a:schemeClr val="accent6"/>
             </a:effectRef>
             <a:fontRef idx="minor">
               <a:schemeClr val="dk1"/>
@@ -3185,16 +3221,23 @@
             <a:prstGeom prst="ellipse">
               <a:avLst/>
             </a:prstGeom>
+            <a:ln w="28575">
+              <a:solidFill>
+                <a:schemeClr val="accent6">
+                  <a:lumMod val="75000"/>
+                </a:schemeClr>
+              </a:solidFill>
+            </a:ln>
           </p:spPr>
           <p:style>
             <a:lnRef idx="1">
-              <a:schemeClr val="accent1"/>
+              <a:schemeClr val="accent6"/>
             </a:lnRef>
             <a:fillRef idx="2">
-              <a:schemeClr val="accent1"/>
+              <a:schemeClr val="accent6"/>
             </a:fillRef>
             <a:effectRef idx="1">
-              <a:schemeClr val="accent1"/>
+              <a:schemeClr val="accent6"/>
             </a:effectRef>
             <a:fontRef idx="minor">
               <a:schemeClr val="dk1"/>
@@ -3235,6 +3278,18 @@
             <a:prstGeom prst="rect">
               <a:avLst/>
             </a:prstGeom>
+            <a:solidFill>
+              <a:schemeClr val="bg1">
+                <a:lumMod val="75000"/>
+              </a:schemeClr>
+            </a:solidFill>
+            <a:ln>
+              <a:solidFill>
+                <a:schemeClr val="bg1">
+                  <a:lumMod val="50000"/>
+                </a:schemeClr>
+              </a:solidFill>
+            </a:ln>
           </p:spPr>
           <p:style>
             <a:lnRef idx="2">
@@ -3258,26 +3313,50 @@
             <a:p>
               <a:pPr algn="ctr"/>
               <a:r>
-                <a:rPr lang="es-ES" dirty="0" err="1" smtClean="0"/>
+                <a:rPr lang="es-ES" dirty="0" err="1" smtClean="0">
+                  <a:solidFill>
+                    <a:schemeClr val="tx1"/>
+                  </a:solidFill>
+                </a:rPr>
                 <a:t>Graph</a:t>
               </a:r>
               <a:r>
-                <a:rPr lang="es-ES" dirty="0" smtClean="0"/>
+                <a:rPr lang="es-ES" dirty="0" smtClean="0">
+                  <a:solidFill>
+                    <a:schemeClr val="tx1"/>
+                  </a:solidFill>
+                </a:rPr>
                 <a:t> </a:t>
               </a:r>
               <a:r>
-                <a:rPr lang="es-ES" dirty="0" err="1" smtClean="0"/>
+                <a:rPr lang="es-ES" dirty="0" err="1" smtClean="0">
+                  <a:solidFill>
+                    <a:schemeClr val="tx1"/>
+                  </a:solidFill>
+                </a:rPr>
                 <a:t>Mining</a:t>
               </a:r>
               <a:r>
-                <a:rPr lang="es-ES" dirty="0" smtClean="0"/>
+                <a:rPr lang="es-ES" dirty="0" smtClean="0">
+                  <a:solidFill>
+                    <a:schemeClr val="tx1"/>
+                  </a:solidFill>
+                </a:rPr>
                 <a:t> </a:t>
               </a:r>
               <a:r>
-                <a:rPr lang="es-ES" dirty="0" err="1" smtClean="0"/>
+                <a:rPr lang="es-ES" dirty="0" err="1" smtClean="0">
+                  <a:solidFill>
+                    <a:schemeClr val="tx1"/>
+                  </a:solidFill>
+                </a:rPr>
                 <a:t>algorithm</a:t>
               </a:r>
-              <a:endParaRPr lang="es-ES" dirty="0"/>
+              <a:endParaRPr lang="es-ES" dirty="0">
+                <a:solidFill>
+                  <a:schemeClr val="tx1"/>
+                </a:solidFill>
+              </a:endParaRPr>
             </a:p>
           </p:txBody>
         </p:sp>
@@ -3295,16 +3374,23 @@
             <a:prstGeom prst="ellipse">
               <a:avLst/>
             </a:prstGeom>
+            <a:ln w="28575">
+              <a:solidFill>
+                <a:schemeClr val="accent6">
+                  <a:lumMod val="75000"/>
+                </a:schemeClr>
+              </a:solidFill>
+            </a:ln>
           </p:spPr>
           <p:style>
             <a:lnRef idx="1">
-              <a:schemeClr val="accent1"/>
+              <a:schemeClr val="accent6"/>
             </a:lnRef>
             <a:fillRef idx="2">
-              <a:schemeClr val="accent1"/>
+              <a:schemeClr val="accent6"/>
             </a:fillRef>
             <a:effectRef idx="1">
-              <a:schemeClr val="accent1"/>
+              <a:schemeClr val="accent6"/>
             </a:effectRef>
             <a:fontRef idx="minor">
               <a:schemeClr val="dk1"/>
@@ -3348,11 +3434,23 @@
           <p:spPr>
             <a:xfrm>
               <a:off x="2352873" y="5661248"/>
-              <a:ext cx="2088232" cy="648072"/>
+              <a:ext cx="2075111" cy="792088"/>
             </a:xfrm>
             <a:prstGeom prst="rect">
               <a:avLst/>
             </a:prstGeom>
+            <a:solidFill>
+              <a:schemeClr val="bg1">
+                <a:lumMod val="75000"/>
+              </a:schemeClr>
+            </a:solidFill>
+            <a:ln>
+              <a:solidFill>
+                <a:schemeClr val="bg1">
+                  <a:lumMod val="50000"/>
+                </a:schemeClr>
+              </a:solidFill>
+            </a:ln>
           </p:spPr>
           <p:style>
             <a:lnRef idx="2">
@@ -3376,30 +3474,90 @@
             <a:p>
               <a:pPr algn="ctr"/>
               <a:r>
-                <a:rPr lang="es-ES" dirty="0" err="1" smtClean="0"/>
+                <a:rPr lang="es-ES" dirty="0" err="1" smtClean="0">
+                  <a:solidFill>
+                    <a:schemeClr val="tx1"/>
+                  </a:solidFill>
+                </a:rPr>
                 <a:t>Fragment</a:t>
               </a:r>
               <a:r>
-                <a:rPr lang="es-ES" dirty="0" smtClean="0"/>
+                <a:rPr lang="es-ES" dirty="0" smtClean="0">
+                  <a:solidFill>
+                    <a:schemeClr val="tx1"/>
+                  </a:solidFill>
+                </a:rPr>
                 <a:t> </a:t>
               </a:r>
               <a:r>
-                <a:rPr lang="es-ES" dirty="0" err="1" smtClean="0"/>
+                <a:rPr lang="es-ES" dirty="0" err="1" smtClean="0">
+                  <a:solidFill>
+                    <a:schemeClr val="tx1"/>
+                  </a:solidFill>
+                </a:rPr>
                 <a:t>catalog</a:t>
               </a:r>
               <a:r>
-                <a:rPr lang="es-ES" dirty="0" smtClean="0"/>
+                <a:rPr lang="es-ES" dirty="0" smtClean="0">
+                  <a:solidFill>
+                    <a:schemeClr val="tx1"/>
+                  </a:solidFill>
+                </a:rPr>
                 <a:t> </a:t>
               </a:r>
               <a:r>
-                <a:rPr lang="es-ES" dirty="0" err="1" smtClean="0"/>
+                <a:rPr lang="es-ES" dirty="0" smtClean="0">
+                  <a:solidFill>
+                    <a:schemeClr val="tx1"/>
+                  </a:solidFill>
+                </a:rPr>
+                <a:t>and </a:t>
+              </a:r>
+              <a:r>
+                <a:rPr lang="es-ES" dirty="0" err="1" smtClean="0">
+                  <a:solidFill>
+                    <a:schemeClr val="tx1"/>
+                  </a:solidFill>
+                </a:rPr>
+                <a:t>instances</a:t>
+              </a:r>
+              <a:r>
+                <a:rPr lang="es-ES" dirty="0" smtClean="0">
+                  <a:solidFill>
+                    <a:schemeClr val="tx1"/>
+                  </a:solidFill>
+                </a:rPr>
+                <a:t> </a:t>
+              </a:r>
+              <a:r>
+                <a:rPr lang="es-ES" dirty="0" err="1" smtClean="0">
+                  <a:solidFill>
+                    <a:schemeClr val="tx1"/>
+                  </a:solidFill>
+                </a:rPr>
                 <a:t>to</a:t>
               </a:r>
               <a:r>
-                <a:rPr lang="es-ES" dirty="0" smtClean="0"/>
-                <a:t> RDF</a:t>
+                <a:rPr lang="es-ES" dirty="0" smtClean="0">
+                  <a:solidFill>
+                    <a:schemeClr val="tx1"/>
+                  </a:solidFill>
+                </a:rPr>
+                <a:t> </a:t>
               </a:r>
-              <a:endParaRPr lang="es-ES" dirty="0"/>
+              <a:r>
+                <a:rPr lang="es-ES" dirty="0" smtClean="0">
+                  <a:solidFill>
+                    <a:schemeClr val="tx1"/>
+                  </a:solidFill>
+                </a:rPr>
+                <a:t>RDF</a:t>
+              </a:r>
+              <a:endParaRPr lang="es-ES" dirty="0">
+                <a:solidFill>
+                  <a:schemeClr val="tx1"/>
+                </a:solidFill>
+              </a:endParaRPr>
             </a:p>
           </p:txBody>
         </p:sp>
@@ -3417,6 +3575,18 @@
             <a:prstGeom prst="rect">
               <a:avLst/>
             </a:prstGeom>
+            <a:solidFill>
+              <a:schemeClr val="bg1">
+                <a:lumMod val="75000"/>
+              </a:schemeClr>
+            </a:solidFill>
+            <a:ln>
+              <a:solidFill>
+                <a:schemeClr val="bg1">
+                  <a:lumMod val="50000"/>
+                </a:schemeClr>
+              </a:solidFill>
+            </a:ln>
           </p:spPr>
           <p:style>
             <a:lnRef idx="2">
@@ -3440,34 +3610,66 @@
             <a:p>
               <a:pPr algn="ctr"/>
               <a:r>
-                <a:rPr lang="es-ES" dirty="0" err="1" smtClean="0"/>
+                <a:rPr lang="es-ES" dirty="0" err="1" smtClean="0">
+                  <a:solidFill>
+                    <a:schemeClr val="tx1"/>
+                  </a:solidFill>
+                </a:rPr>
                 <a:t>Get</a:t>
               </a:r>
               <a:r>
-                <a:rPr lang="es-ES" dirty="0" smtClean="0"/>
+                <a:rPr lang="es-ES" dirty="0" smtClean="0">
+                  <a:solidFill>
+                    <a:schemeClr val="tx1"/>
+                  </a:solidFill>
+                </a:rPr>
                 <a:t> </a:t>
               </a:r>
               <a:r>
-                <a:rPr lang="es-ES" dirty="0" err="1" smtClean="0"/>
+                <a:rPr lang="es-ES" dirty="0" err="1" smtClean="0">
+                  <a:solidFill>
+                    <a:schemeClr val="tx1"/>
+                  </a:solidFill>
+                </a:rPr>
                 <a:t>statistics</a:t>
               </a:r>
               <a:r>
-                <a:rPr lang="es-ES" dirty="0" smtClean="0"/>
+                <a:rPr lang="es-ES" dirty="0" smtClean="0">
+                  <a:solidFill>
+                    <a:schemeClr val="tx1"/>
+                  </a:solidFill>
+                </a:rPr>
                 <a:t> </a:t>
               </a:r>
               <a:r>
-                <a:rPr lang="es-ES" dirty="0" err="1" smtClean="0"/>
+                <a:rPr lang="es-ES" dirty="0" err="1" smtClean="0">
+                  <a:solidFill>
+                    <a:schemeClr val="tx1"/>
+                  </a:solidFill>
+                </a:rPr>
                 <a:t>from</a:t>
               </a:r>
               <a:r>
-                <a:rPr lang="es-ES" dirty="0" smtClean="0"/>
+                <a:rPr lang="es-ES" dirty="0" smtClean="0">
+                  <a:solidFill>
+                    <a:schemeClr val="tx1"/>
+                  </a:solidFill>
+                </a:rPr>
                 <a:t> </a:t>
               </a:r>
               <a:r>
-                <a:rPr lang="es-ES" dirty="0" err="1" smtClean="0"/>
+                <a:rPr lang="es-ES" dirty="0" err="1" smtClean="0">
+                  <a:solidFill>
+                    <a:schemeClr val="tx1"/>
+                  </a:solidFill>
+                </a:rPr>
                 <a:t>fragments</a:t>
               </a:r>
-              <a:endParaRPr lang="es-ES" dirty="0"/>
+              <a:endParaRPr lang="es-ES" dirty="0">
+                <a:solidFill>
+                  <a:schemeClr val="tx1"/>
+                </a:solidFill>
+              </a:endParaRPr>
             </a:p>
           </p:txBody>
         </p:sp>
@@ -3479,22 +3681,29 @@
           </p:nvSpPr>
           <p:spPr>
             <a:xfrm>
-              <a:off x="2756043" y="6655482"/>
+              <a:off x="2743225" y="6858000"/>
               <a:ext cx="1290518" cy="360040"/>
             </a:xfrm>
             <a:prstGeom prst="ellipse">
               <a:avLst/>
             </a:prstGeom>
+            <a:ln w="28575">
+              <a:solidFill>
+                <a:schemeClr val="accent6">
+                  <a:lumMod val="75000"/>
+                </a:schemeClr>
+              </a:solidFill>
+            </a:ln>
           </p:spPr>
           <p:style>
             <a:lnRef idx="1">
-              <a:schemeClr val="accent1"/>
+              <a:schemeClr val="accent6"/>
             </a:lnRef>
             <a:fillRef idx="2">
-              <a:schemeClr val="accent1"/>
+              <a:schemeClr val="accent6"/>
             </a:fillRef>
             <a:effectRef idx="1">
-              <a:schemeClr val="accent1"/>
+              <a:schemeClr val="accent6"/>
             </a:effectRef>
             <a:fontRef idx="minor">
               <a:schemeClr val="dk1"/>
@@ -3527,16 +3736,23 @@
             <a:prstGeom prst="ellipse">
               <a:avLst/>
             </a:prstGeom>
+            <a:ln w="28575">
+              <a:solidFill>
+                <a:schemeClr val="accent6">
+                  <a:lumMod val="75000"/>
+                </a:schemeClr>
+              </a:solidFill>
+            </a:ln>
           </p:spPr>
           <p:style>
             <a:lnRef idx="1">
-              <a:schemeClr val="accent1"/>
+              <a:schemeClr val="accent6"/>
             </a:lnRef>
             <a:fillRef idx="2">
-              <a:schemeClr val="accent1"/>
+              <a:schemeClr val="accent6"/>
             </a:fillRef>
             <a:effectRef idx="1">
-              <a:schemeClr val="accent1"/>
+              <a:schemeClr val="accent6"/>
             </a:effectRef>
             <a:fontRef idx="minor">
               <a:schemeClr val="dk1"/>
@@ -3711,7 +3927,7 @@
           <p:spPr>
             <a:xfrm>
               <a:off x="3385368" y="3717032"/>
-              <a:ext cx="11621" cy="1944216"/>
+              <a:ext cx="5061" cy="1944216"/>
             </a:xfrm>
             <a:prstGeom prst="straightConnector1">
               <a:avLst/>
@@ -3817,9 +4033,9 @@
             <p:nvPr/>
           </p:nvCxnSpPr>
           <p:spPr>
-            <a:xfrm>
-              <a:off x="3396989" y="6309320"/>
-              <a:ext cx="4313" cy="346162"/>
+            <a:xfrm flipH="1">
+              <a:off x="3388484" y="6453336"/>
+              <a:ext cx="1945" cy="404664"/>
             </a:xfrm>
             <a:prstGeom prst="straightConnector1">
               <a:avLst/>
@@ -3857,6 +4073,18 @@
             <a:prstGeom prst="rect">
               <a:avLst/>
             </a:prstGeom>
+            <a:solidFill>
+              <a:schemeClr val="bg1">
+                <a:lumMod val="75000"/>
+              </a:schemeClr>
+            </a:solidFill>
+            <a:ln>
+              <a:solidFill>
+                <a:schemeClr val="bg1">
+                  <a:lumMod val="50000"/>
+                </a:schemeClr>
+              </a:solidFill>
+            </a:ln>
           </p:spPr>
           <p:style>
             <a:lnRef idx="2">
@@ -3880,18 +4108,34 @@
             <a:p>
               <a:pPr algn="ctr"/>
               <a:r>
-                <a:rPr lang="es-ES" dirty="0" err="1" smtClean="0"/>
+                <a:rPr lang="es-ES" dirty="0" err="1" smtClean="0">
+                  <a:solidFill>
+                    <a:schemeClr val="tx1"/>
+                  </a:solidFill>
+                </a:rPr>
                 <a:t>Instantiate</a:t>
               </a:r>
               <a:r>
-                <a:rPr lang="es-ES" dirty="0" smtClean="0"/>
+                <a:rPr lang="es-ES" dirty="0" smtClean="0">
+                  <a:solidFill>
+                    <a:schemeClr val="tx1"/>
+                  </a:solidFill>
+                </a:rPr>
                 <a:t>  </a:t>
               </a:r>
               <a:r>
-                <a:rPr lang="es-ES" dirty="0" err="1" smtClean="0"/>
+                <a:rPr lang="es-ES" dirty="0" err="1" smtClean="0">
+                  <a:solidFill>
+                    <a:schemeClr val="tx1"/>
+                  </a:solidFill>
+                </a:rPr>
                 <a:t>results</a:t>
               </a:r>
-              <a:endParaRPr lang="es-ES" dirty="0"/>
+              <a:endParaRPr lang="es-ES" dirty="0">
+                <a:solidFill>
+                  <a:schemeClr val="tx1"/>
+                </a:solidFill>
+              </a:endParaRPr>
             </a:p>
           </p:txBody>
         </p:sp>
@@ -3945,16 +4189,23 @@
             <a:prstGeom prst="ellipse">
               <a:avLst/>
             </a:prstGeom>
+            <a:ln w="28575">
+              <a:solidFill>
+                <a:schemeClr val="accent6">
+                  <a:lumMod val="75000"/>
+                </a:schemeClr>
+              </a:solidFill>
+            </a:ln>
           </p:spPr>
           <p:style>
             <a:lnRef idx="1">
-              <a:schemeClr val="accent1"/>
+              <a:schemeClr val="accent6"/>
             </a:lnRef>
             <a:fillRef idx="2">
-              <a:schemeClr val="accent1"/>
+              <a:schemeClr val="accent6"/>
             </a:fillRef>
             <a:effectRef idx="1">
-              <a:schemeClr val="accent1"/>
+              <a:schemeClr val="accent6"/>
             </a:effectRef>
             <a:fontRef idx="minor">
               <a:schemeClr val="dk1"/>
@@ -4029,7 +4280,7 @@
           <p:spPr>
             <a:xfrm>
               <a:off x="1945203" y="5607998"/>
-              <a:ext cx="407670" cy="377286"/>
+              <a:ext cx="407670" cy="449294"/>
             </a:xfrm>
             <a:prstGeom prst="straightConnector1">
               <a:avLst/>
@@ -4053,6 +4304,3893 @@
             </a:fontRef>
           </p:style>
         </p:cxnSp>
+      </p:grpSp>
+      <p:grpSp>
+        <p:nvGrpSpPr>
+          <p:cNvPr id="64" name="63 Grupo"/>
+          <p:cNvGrpSpPr/>
+          <p:nvPr/>
+        </p:nvGrpSpPr>
+        <p:grpSpPr>
+          <a:xfrm>
+            <a:off x="4970140" y="-1611560"/>
+            <a:ext cx="5002460" cy="8829600"/>
+            <a:chOff x="4970140" y="-1611560"/>
+            <a:chExt cx="5002460" cy="8829600"/>
+          </a:xfrm>
+        </p:grpSpPr>
+        <p:grpSp>
+          <p:nvGrpSpPr>
+            <p:cNvPr id="65" name="79 Grupo"/>
+            <p:cNvGrpSpPr/>
+            <p:nvPr/>
+          </p:nvGrpSpPr>
+          <p:grpSpPr>
+            <a:xfrm>
+              <a:off x="4970140" y="-1611560"/>
+              <a:ext cx="5002460" cy="8829600"/>
+              <a:chOff x="4970140" y="-1611560"/>
+              <a:chExt cx="5002460" cy="8829600"/>
+            </a:xfrm>
+          </p:grpSpPr>
+          <p:grpSp>
+            <p:nvGrpSpPr>
+              <p:cNvPr id="70" name="70 Grupo"/>
+              <p:cNvGrpSpPr/>
+              <p:nvPr/>
+            </p:nvGrpSpPr>
+            <p:grpSpPr>
+              <a:xfrm>
+                <a:off x="4970140" y="-1611560"/>
+                <a:ext cx="5002460" cy="8829600"/>
+                <a:chOff x="899592" y="-1611560"/>
+                <a:chExt cx="5002460" cy="8829600"/>
+              </a:xfrm>
+            </p:grpSpPr>
+            <p:sp>
+              <p:nvSpPr>
+                <p:cNvPr id="73" name="72 Rectángulo"/>
+                <p:cNvSpPr/>
+                <p:nvPr/>
+              </p:nvSpPr>
+              <p:spPr>
+                <a:xfrm>
+                  <a:off x="2330227" y="-936104"/>
+                  <a:ext cx="2088232" cy="648072"/>
+                </a:xfrm>
+                <a:prstGeom prst="rect">
+                  <a:avLst/>
+                </a:prstGeom>
+                <a:solidFill>
+                  <a:schemeClr val="bg1">
+                    <a:lumMod val="75000"/>
+                  </a:schemeClr>
+                </a:solidFill>
+                <a:ln>
+                  <a:solidFill>
+                    <a:schemeClr val="bg1">
+                      <a:lumMod val="50000"/>
+                    </a:schemeClr>
+                  </a:solidFill>
+                </a:ln>
+              </p:spPr>
+              <p:style>
+                <a:lnRef idx="2">
+                  <a:schemeClr val="accent1">
+                    <a:shade val="50000"/>
+                  </a:schemeClr>
+                </a:lnRef>
+                <a:fillRef idx="1">
+                  <a:schemeClr val="accent1"/>
+                </a:fillRef>
+                <a:effectRef idx="0">
+                  <a:schemeClr val="accent1"/>
+                </a:effectRef>
+                <a:fontRef idx="minor">
+                  <a:schemeClr val="lt1"/>
+                </a:fontRef>
+              </p:style>
+              <p:txBody>
+                <a:bodyPr rtlCol="0" anchor="ctr"/>
+                <a:lstStyle/>
+                <a:p>
+                  <a:pPr algn="ctr"/>
+                  <a:r>
+                    <a:rPr lang="es-ES" dirty="0" err="1" smtClean="0">
+                      <a:solidFill>
+                        <a:schemeClr val="tx1"/>
+                      </a:solidFill>
+                    </a:rPr>
+                    <a:t>Query</a:t>
+                  </a:r>
+                  <a:r>
+                    <a:rPr lang="es-ES" dirty="0" smtClean="0">
+                      <a:solidFill>
+                        <a:schemeClr val="tx1"/>
+                      </a:solidFill>
+                    </a:rPr>
+                    <a:t> </a:t>
+                  </a:r>
+                  <a:r>
+                    <a:rPr lang="es-ES" dirty="0" err="1" smtClean="0">
+                      <a:solidFill>
+                        <a:schemeClr val="tx1"/>
+                      </a:solidFill>
+                    </a:rPr>
+                    <a:t>Repository</a:t>
+                  </a:r>
+                  <a:endParaRPr lang="es-ES" dirty="0">
+                    <a:solidFill>
+                      <a:schemeClr val="tx1"/>
+                    </a:solidFill>
+                  </a:endParaRPr>
+                </a:p>
+              </p:txBody>
+            </p:sp>
+            <p:sp>
+              <p:nvSpPr>
+                <p:cNvPr id="74" name="73 Elipse"/>
+                <p:cNvSpPr/>
+                <p:nvPr/>
+              </p:nvSpPr>
+              <p:spPr>
+                <a:xfrm>
+                  <a:off x="2502818" y="-1611560"/>
+                  <a:ext cx="1728192" cy="459432"/>
+                </a:xfrm>
+                <a:prstGeom prst="ellipse">
+                  <a:avLst/>
+                </a:prstGeom>
+                <a:ln w="28575">
+                  <a:solidFill>
+                    <a:schemeClr val="accent6">
+                      <a:lumMod val="75000"/>
+                    </a:schemeClr>
+                  </a:solidFill>
+                </a:ln>
+              </p:spPr>
+              <p:style>
+                <a:lnRef idx="1">
+                  <a:schemeClr val="accent6"/>
+                </a:lnRef>
+                <a:fillRef idx="2">
+                  <a:schemeClr val="accent6"/>
+                </a:fillRef>
+                <a:effectRef idx="1">
+                  <a:schemeClr val="accent6"/>
+                </a:effectRef>
+                <a:fontRef idx="minor">
+                  <a:schemeClr val="dk1"/>
+                </a:fontRef>
+              </p:style>
+              <p:txBody>
+                <a:bodyPr rtlCol="0" anchor="ctr"/>
+                <a:lstStyle/>
+                <a:p>
+                  <a:pPr algn="ctr"/>
+                  <a:r>
+                    <a:rPr lang="es-ES" sz="1400" dirty="0" err="1" smtClean="0"/>
+                    <a:t>Repository</a:t>
+                  </a:r>
+                  <a:endParaRPr lang="es-ES" sz="1400" dirty="0"/>
+                </a:p>
+              </p:txBody>
+            </p:sp>
+            <p:sp>
+              <p:nvSpPr>
+                <p:cNvPr id="75" name="74 Elipse"/>
+                <p:cNvSpPr/>
+                <p:nvPr/>
+              </p:nvSpPr>
+              <p:spPr>
+                <a:xfrm>
+                  <a:off x="2574230" y="0"/>
+                  <a:ext cx="1618680" cy="404664"/>
+                </a:xfrm>
+                <a:prstGeom prst="ellipse">
+                  <a:avLst/>
+                </a:prstGeom>
+                <a:ln w="28575">
+                  <a:solidFill>
+                    <a:schemeClr val="accent6">
+                      <a:lumMod val="75000"/>
+                    </a:schemeClr>
+                  </a:solidFill>
+                </a:ln>
+              </p:spPr>
+              <p:style>
+                <a:lnRef idx="1">
+                  <a:schemeClr val="accent6"/>
+                </a:lnRef>
+                <a:fillRef idx="2">
+                  <a:schemeClr val="accent6"/>
+                </a:fillRef>
+                <a:effectRef idx="1">
+                  <a:schemeClr val="accent6"/>
+                </a:effectRef>
+                <a:fontRef idx="minor">
+                  <a:schemeClr val="dk1"/>
+                </a:fontRef>
+              </p:style>
+              <p:txBody>
+                <a:bodyPr rtlCol="0" anchor="ctr"/>
+                <a:lstStyle/>
+                <a:p>
+                  <a:pPr algn="ctr"/>
+                  <a:r>
+                    <a:rPr lang="es-ES" sz="1400" dirty="0" err="1" smtClean="0"/>
+                    <a:t>Dependency</a:t>
+                  </a:r>
+                  <a:r>
+                    <a:rPr lang="es-ES" sz="1400" dirty="0" smtClean="0"/>
+                    <a:t> </a:t>
+                  </a:r>
+                  <a:r>
+                    <a:rPr lang="es-ES" sz="1400" dirty="0" err="1" smtClean="0"/>
+                    <a:t>Graph</a:t>
+                  </a:r>
+                  <a:endParaRPr lang="es-ES" sz="1400" dirty="0"/>
+                </a:p>
+              </p:txBody>
+            </p:sp>
+            <p:sp>
+              <p:nvSpPr>
+                <p:cNvPr id="76" name="75 Rectángulo"/>
+                <p:cNvSpPr/>
+                <p:nvPr/>
+              </p:nvSpPr>
+              <p:spPr>
+                <a:xfrm>
+                  <a:off x="2339752" y="2204864"/>
+                  <a:ext cx="2088232" cy="648072"/>
+                </a:xfrm>
+                <a:prstGeom prst="rect">
+                  <a:avLst/>
+                </a:prstGeom>
+                <a:solidFill>
+                  <a:schemeClr val="bg1">
+                    <a:lumMod val="75000"/>
+                  </a:schemeClr>
+                </a:solidFill>
+                <a:ln>
+                  <a:solidFill>
+                    <a:schemeClr val="bg1">
+                      <a:lumMod val="50000"/>
+                    </a:schemeClr>
+                  </a:solidFill>
+                </a:ln>
+              </p:spPr>
+              <p:style>
+                <a:lnRef idx="2">
+                  <a:schemeClr val="accent1">
+                    <a:shade val="50000"/>
+                  </a:schemeClr>
+                </a:lnRef>
+                <a:fillRef idx="1">
+                  <a:schemeClr val="accent1"/>
+                </a:fillRef>
+                <a:effectRef idx="0">
+                  <a:schemeClr val="accent1"/>
+                </a:effectRef>
+                <a:fontRef idx="minor">
+                  <a:schemeClr val="lt1"/>
+                </a:fontRef>
+              </p:style>
+              <p:txBody>
+                <a:bodyPr rtlCol="0" anchor="ctr"/>
+                <a:lstStyle/>
+                <a:p>
+                  <a:pPr algn="ctr"/>
+                  <a:r>
+                    <a:rPr lang="es-ES" dirty="0" err="1" smtClean="0">
+                      <a:solidFill>
+                        <a:schemeClr val="tx1"/>
+                      </a:solidFill>
+                    </a:rPr>
+                    <a:t>Graph</a:t>
+                  </a:r>
+                  <a:r>
+                    <a:rPr lang="es-ES" dirty="0" smtClean="0">
+                      <a:solidFill>
+                        <a:schemeClr val="tx1"/>
+                      </a:solidFill>
+                    </a:rPr>
+                    <a:t> </a:t>
+                  </a:r>
+                  <a:r>
+                    <a:rPr lang="es-ES" dirty="0" err="1" smtClean="0">
+                      <a:solidFill>
+                        <a:schemeClr val="tx1"/>
+                      </a:solidFill>
+                    </a:rPr>
+                    <a:t>Mining</a:t>
+                  </a:r>
+                  <a:r>
+                    <a:rPr lang="es-ES" dirty="0" smtClean="0">
+                      <a:solidFill>
+                        <a:schemeClr val="tx1"/>
+                      </a:solidFill>
+                    </a:rPr>
+                    <a:t> </a:t>
+                  </a:r>
+                  <a:r>
+                    <a:rPr lang="es-ES" dirty="0" err="1" smtClean="0">
+                      <a:solidFill>
+                        <a:schemeClr val="tx1"/>
+                      </a:solidFill>
+                    </a:rPr>
+                    <a:t>algorithm</a:t>
+                  </a:r>
+                  <a:endParaRPr lang="es-ES" dirty="0">
+                    <a:solidFill>
+                      <a:schemeClr val="tx1"/>
+                    </a:solidFill>
+                  </a:endParaRPr>
+                </a:p>
+              </p:txBody>
+            </p:sp>
+            <p:sp>
+              <p:nvSpPr>
+                <p:cNvPr id="77" name="76 Elipse"/>
+                <p:cNvSpPr/>
+                <p:nvPr/>
+              </p:nvSpPr>
+              <p:spPr>
+                <a:xfrm>
+                  <a:off x="2305248" y="3212976"/>
+                  <a:ext cx="2160240" cy="504056"/>
+                </a:xfrm>
+                <a:prstGeom prst="ellipse">
+                  <a:avLst/>
+                </a:prstGeom>
+                <a:ln w="28575">
+                  <a:solidFill>
+                    <a:schemeClr val="accent6">
+                      <a:lumMod val="75000"/>
+                    </a:schemeClr>
+                  </a:solidFill>
+                </a:ln>
+              </p:spPr>
+              <p:style>
+                <a:lnRef idx="1">
+                  <a:schemeClr val="accent6"/>
+                </a:lnRef>
+                <a:fillRef idx="2">
+                  <a:schemeClr val="accent6"/>
+                </a:fillRef>
+                <a:effectRef idx="1">
+                  <a:schemeClr val="accent6"/>
+                </a:effectRef>
+                <a:fontRef idx="minor">
+                  <a:schemeClr val="dk1"/>
+                </a:fontRef>
+              </p:style>
+              <p:txBody>
+                <a:bodyPr rtlCol="0" anchor="ctr"/>
+                <a:lstStyle/>
+                <a:p>
+                  <a:pPr algn="ctr"/>
+                  <a:r>
+                    <a:rPr lang="es-ES" sz="1400" dirty="0" err="1" smtClean="0"/>
+                    <a:t>Common</a:t>
+                  </a:r>
+                  <a:r>
+                    <a:rPr lang="es-ES" sz="1400" dirty="0" smtClean="0"/>
+                    <a:t> </a:t>
+                  </a:r>
+                  <a:r>
+                    <a:rPr lang="es-ES" sz="1400" dirty="0" err="1" smtClean="0"/>
+                    <a:t>fragment</a:t>
+                  </a:r>
+                  <a:r>
+                    <a:rPr lang="es-ES" sz="1400" dirty="0" smtClean="0"/>
+                    <a:t> </a:t>
+                  </a:r>
+                  <a:r>
+                    <a:rPr lang="es-ES" sz="1400" dirty="0" err="1" smtClean="0"/>
+                    <a:t>Results</a:t>
+                  </a:r>
+                  <a:endParaRPr lang="es-ES" sz="1400" dirty="0"/>
+                </a:p>
+              </p:txBody>
+            </p:sp>
+            <p:sp>
+              <p:nvSpPr>
+                <p:cNvPr id="78" name="77 Rectángulo"/>
+                <p:cNvSpPr/>
+                <p:nvPr/>
+              </p:nvSpPr>
+              <p:spPr>
+                <a:xfrm>
+                  <a:off x="2352873" y="5661248"/>
+                  <a:ext cx="2075111" cy="792088"/>
+                </a:xfrm>
+                <a:prstGeom prst="rect">
+                  <a:avLst/>
+                </a:prstGeom>
+                <a:solidFill>
+                  <a:schemeClr val="bg1">
+                    <a:lumMod val="75000"/>
+                  </a:schemeClr>
+                </a:solidFill>
+                <a:ln>
+                  <a:solidFill>
+                    <a:schemeClr val="bg1">
+                      <a:lumMod val="50000"/>
+                    </a:schemeClr>
+                  </a:solidFill>
+                </a:ln>
+              </p:spPr>
+              <p:style>
+                <a:lnRef idx="2">
+                  <a:schemeClr val="accent1">
+                    <a:shade val="50000"/>
+                  </a:schemeClr>
+                </a:lnRef>
+                <a:fillRef idx="1">
+                  <a:schemeClr val="accent1"/>
+                </a:fillRef>
+                <a:effectRef idx="0">
+                  <a:schemeClr val="accent1"/>
+                </a:effectRef>
+                <a:fontRef idx="minor">
+                  <a:schemeClr val="lt1"/>
+                </a:fontRef>
+              </p:style>
+              <p:txBody>
+                <a:bodyPr rtlCol="0" anchor="ctr"/>
+                <a:lstStyle/>
+                <a:p>
+                  <a:pPr algn="ctr"/>
+                  <a:r>
+                    <a:rPr lang="es-ES" dirty="0" err="1" smtClean="0">
+                      <a:solidFill>
+                        <a:schemeClr val="tx1"/>
+                      </a:solidFill>
+                    </a:rPr>
+                    <a:t>Fragment</a:t>
+                  </a:r>
+                  <a:r>
+                    <a:rPr lang="es-ES" dirty="0" smtClean="0">
+                      <a:solidFill>
+                        <a:schemeClr val="tx1"/>
+                      </a:solidFill>
+                    </a:rPr>
+                    <a:t> </a:t>
+                  </a:r>
+                  <a:r>
+                    <a:rPr lang="es-ES" dirty="0" err="1" smtClean="0">
+                      <a:solidFill>
+                        <a:schemeClr val="tx1"/>
+                      </a:solidFill>
+                    </a:rPr>
+                    <a:t>catalog</a:t>
+                  </a:r>
+                  <a:r>
+                    <a:rPr lang="es-ES" dirty="0" smtClean="0">
+                      <a:solidFill>
+                        <a:schemeClr val="tx1"/>
+                      </a:solidFill>
+                    </a:rPr>
+                    <a:t> and </a:t>
+                  </a:r>
+                  <a:r>
+                    <a:rPr lang="es-ES" dirty="0" err="1" smtClean="0">
+                      <a:solidFill>
+                        <a:schemeClr val="tx1"/>
+                      </a:solidFill>
+                    </a:rPr>
+                    <a:t>instances</a:t>
+                  </a:r>
+                  <a:r>
+                    <a:rPr lang="es-ES" dirty="0" smtClean="0">
+                      <a:solidFill>
+                        <a:schemeClr val="tx1"/>
+                      </a:solidFill>
+                    </a:rPr>
+                    <a:t> </a:t>
+                  </a:r>
+                  <a:r>
+                    <a:rPr lang="es-ES" dirty="0" err="1" smtClean="0">
+                      <a:solidFill>
+                        <a:schemeClr val="tx1"/>
+                      </a:solidFill>
+                    </a:rPr>
+                    <a:t>to</a:t>
+                  </a:r>
+                  <a:r>
+                    <a:rPr lang="es-ES" dirty="0" smtClean="0">
+                      <a:solidFill>
+                        <a:schemeClr val="tx1"/>
+                      </a:solidFill>
+                    </a:rPr>
+                    <a:t> </a:t>
+                  </a:r>
+                  <a:r>
+                    <a:rPr lang="es-ES" dirty="0" smtClean="0">
+                      <a:solidFill>
+                        <a:schemeClr val="tx1"/>
+                      </a:solidFill>
+                    </a:rPr>
+                    <a:t>RDF</a:t>
+                  </a:r>
+                  <a:endParaRPr lang="es-ES" dirty="0">
+                    <a:solidFill>
+                      <a:schemeClr val="tx1"/>
+                    </a:solidFill>
+                  </a:endParaRPr>
+                </a:p>
+              </p:txBody>
+            </p:sp>
+            <p:sp>
+              <p:nvSpPr>
+                <p:cNvPr id="79" name="78 Rectángulo"/>
+                <p:cNvSpPr/>
+                <p:nvPr/>
+              </p:nvSpPr>
+              <p:spPr>
+                <a:xfrm>
+                  <a:off x="3813820" y="4048497"/>
+                  <a:ext cx="2088232" cy="648072"/>
+                </a:xfrm>
+                <a:prstGeom prst="rect">
+                  <a:avLst/>
+                </a:prstGeom>
+                <a:solidFill>
+                  <a:schemeClr val="bg1">
+                    <a:lumMod val="75000"/>
+                  </a:schemeClr>
+                </a:solidFill>
+                <a:ln>
+                  <a:solidFill>
+                    <a:schemeClr val="bg1">
+                      <a:lumMod val="50000"/>
+                    </a:schemeClr>
+                  </a:solidFill>
+                </a:ln>
+              </p:spPr>
+              <p:style>
+                <a:lnRef idx="2">
+                  <a:schemeClr val="accent1">
+                    <a:shade val="50000"/>
+                  </a:schemeClr>
+                </a:lnRef>
+                <a:fillRef idx="1">
+                  <a:schemeClr val="accent1"/>
+                </a:fillRef>
+                <a:effectRef idx="0">
+                  <a:schemeClr val="accent1"/>
+                </a:effectRef>
+                <a:fontRef idx="minor">
+                  <a:schemeClr val="lt1"/>
+                </a:fontRef>
+              </p:style>
+              <p:txBody>
+                <a:bodyPr rtlCol="0" anchor="ctr"/>
+                <a:lstStyle/>
+                <a:p>
+                  <a:pPr algn="ctr"/>
+                  <a:r>
+                    <a:rPr lang="es-ES" dirty="0" err="1" smtClean="0">
+                      <a:solidFill>
+                        <a:schemeClr val="tx1"/>
+                      </a:solidFill>
+                    </a:rPr>
+                    <a:t>Get</a:t>
+                  </a:r>
+                  <a:r>
+                    <a:rPr lang="es-ES" dirty="0" smtClean="0">
+                      <a:solidFill>
+                        <a:schemeClr val="tx1"/>
+                      </a:solidFill>
+                    </a:rPr>
+                    <a:t> </a:t>
+                  </a:r>
+                  <a:r>
+                    <a:rPr lang="es-ES" dirty="0" err="1" smtClean="0">
+                      <a:solidFill>
+                        <a:schemeClr val="tx1"/>
+                      </a:solidFill>
+                    </a:rPr>
+                    <a:t>statistics</a:t>
+                  </a:r>
+                  <a:r>
+                    <a:rPr lang="es-ES" dirty="0" smtClean="0">
+                      <a:solidFill>
+                        <a:schemeClr val="tx1"/>
+                      </a:solidFill>
+                    </a:rPr>
+                    <a:t> </a:t>
+                  </a:r>
+                  <a:r>
+                    <a:rPr lang="es-ES" dirty="0" err="1" smtClean="0">
+                      <a:solidFill>
+                        <a:schemeClr val="tx1"/>
+                      </a:solidFill>
+                    </a:rPr>
+                    <a:t>from</a:t>
+                  </a:r>
+                  <a:r>
+                    <a:rPr lang="es-ES" dirty="0" smtClean="0">
+                      <a:solidFill>
+                        <a:schemeClr val="tx1"/>
+                      </a:solidFill>
+                    </a:rPr>
+                    <a:t> </a:t>
+                  </a:r>
+                  <a:r>
+                    <a:rPr lang="es-ES" dirty="0" err="1" smtClean="0">
+                      <a:solidFill>
+                        <a:schemeClr val="tx1"/>
+                      </a:solidFill>
+                    </a:rPr>
+                    <a:t>fragments</a:t>
+                  </a:r>
+                  <a:endParaRPr lang="es-ES" dirty="0">
+                    <a:solidFill>
+                      <a:schemeClr val="tx1"/>
+                    </a:solidFill>
+                  </a:endParaRPr>
+                </a:p>
+              </p:txBody>
+            </p:sp>
+            <p:sp>
+              <p:nvSpPr>
+                <p:cNvPr id="80" name="79 Elipse"/>
+                <p:cNvSpPr/>
+                <p:nvPr/>
+              </p:nvSpPr>
+              <p:spPr>
+                <a:xfrm>
+                  <a:off x="2743225" y="6858000"/>
+                  <a:ext cx="1290518" cy="360040"/>
+                </a:xfrm>
+                <a:prstGeom prst="ellipse">
+                  <a:avLst/>
+                </a:prstGeom>
+                <a:ln w="28575">
+                  <a:solidFill>
+                    <a:schemeClr val="accent6">
+                      <a:lumMod val="75000"/>
+                    </a:schemeClr>
+                  </a:solidFill>
+                </a:ln>
+              </p:spPr>
+              <p:style>
+                <a:lnRef idx="1">
+                  <a:schemeClr val="accent6"/>
+                </a:lnRef>
+                <a:fillRef idx="2">
+                  <a:schemeClr val="accent6"/>
+                </a:fillRef>
+                <a:effectRef idx="1">
+                  <a:schemeClr val="accent6"/>
+                </a:effectRef>
+                <a:fontRef idx="minor">
+                  <a:schemeClr val="dk1"/>
+                </a:fontRef>
+              </p:style>
+              <p:txBody>
+                <a:bodyPr rtlCol="0" anchor="ctr"/>
+                <a:lstStyle/>
+                <a:p>
+                  <a:pPr algn="ctr"/>
+                  <a:r>
+                    <a:rPr lang="es-ES" sz="1400" dirty="0" smtClean="0"/>
+                    <a:t>RDF</a:t>
+                  </a:r>
+                  <a:endParaRPr lang="es-ES" sz="1400" dirty="0"/>
+                </a:p>
+              </p:txBody>
+            </p:sp>
+            <p:sp>
+              <p:nvSpPr>
+                <p:cNvPr id="81" name="80 Elipse"/>
+                <p:cNvSpPr/>
+                <p:nvPr/>
+              </p:nvSpPr>
+              <p:spPr>
+                <a:xfrm>
+                  <a:off x="4067944" y="5011985"/>
+                  <a:ext cx="1584176" cy="360040"/>
+                </a:xfrm>
+                <a:prstGeom prst="ellipse">
+                  <a:avLst/>
+                </a:prstGeom>
+                <a:ln w="28575">
+                  <a:solidFill>
+                    <a:schemeClr val="accent6">
+                      <a:lumMod val="75000"/>
+                    </a:schemeClr>
+                  </a:solidFill>
+                </a:ln>
+              </p:spPr>
+              <p:style>
+                <a:lnRef idx="1">
+                  <a:schemeClr val="accent6"/>
+                </a:lnRef>
+                <a:fillRef idx="2">
+                  <a:schemeClr val="accent6"/>
+                </a:fillRef>
+                <a:effectRef idx="1">
+                  <a:schemeClr val="accent6"/>
+                </a:effectRef>
+                <a:fontRef idx="minor">
+                  <a:schemeClr val="dk1"/>
+                </a:fontRef>
+              </p:style>
+              <p:txBody>
+                <a:bodyPr rtlCol="0" anchor="ctr"/>
+                <a:lstStyle/>
+                <a:p>
+                  <a:pPr algn="ctr"/>
+                  <a:r>
+                    <a:rPr lang="es-ES" sz="1400" dirty="0" err="1" smtClean="0"/>
+                    <a:t>Statistics</a:t>
+                  </a:r>
+                  <a:endParaRPr lang="es-ES" sz="1400" dirty="0"/>
+                </a:p>
+              </p:txBody>
+            </p:sp>
+            <p:cxnSp>
+              <p:nvCxnSpPr>
+                <p:cNvPr id="82" name="81 Conector recto de flecha"/>
+                <p:cNvCxnSpPr>
+                  <a:stCxn id="74" idx="4"/>
+                  <a:endCxn id="73" idx="0"/>
+                </p:cNvCxnSpPr>
+                <p:nvPr/>
+              </p:nvCxnSpPr>
+              <p:spPr>
+                <a:xfrm>
+                  <a:off x="3366914" y="-1152128"/>
+                  <a:ext cx="7429" cy="216024"/>
+                </a:xfrm>
+                <a:prstGeom prst="straightConnector1">
+                  <a:avLst/>
+                </a:prstGeom>
+                <a:ln>
+                  <a:tailEnd type="arrow"/>
+                </a:ln>
+              </p:spPr>
+              <p:style>
+                <a:lnRef idx="2">
+                  <a:schemeClr val="dk1"/>
+                </a:lnRef>
+                <a:fillRef idx="0">
+                  <a:schemeClr val="dk1"/>
+                </a:fillRef>
+                <a:effectRef idx="1">
+                  <a:schemeClr val="dk1"/>
+                </a:effectRef>
+                <a:fontRef idx="minor">
+                  <a:schemeClr val="tx1"/>
+                </a:fontRef>
+              </p:style>
+            </p:cxnSp>
+            <p:cxnSp>
+              <p:nvCxnSpPr>
+                <p:cNvPr id="83" name="82 Conector recto de flecha"/>
+                <p:cNvCxnSpPr>
+                  <a:stCxn id="73" idx="2"/>
+                  <a:endCxn id="75" idx="0"/>
+                </p:cNvCxnSpPr>
+                <p:nvPr/>
+              </p:nvCxnSpPr>
+              <p:spPr>
+                <a:xfrm>
+                  <a:off x="3374343" y="-288032"/>
+                  <a:ext cx="9227" cy="288032"/>
+                </a:xfrm>
+                <a:prstGeom prst="straightConnector1">
+                  <a:avLst/>
+                </a:prstGeom>
+                <a:ln>
+                  <a:tailEnd type="arrow"/>
+                </a:ln>
+              </p:spPr>
+              <p:style>
+                <a:lnRef idx="2">
+                  <a:schemeClr val="dk1"/>
+                </a:lnRef>
+                <a:fillRef idx="0">
+                  <a:schemeClr val="dk1"/>
+                </a:fillRef>
+                <a:effectRef idx="1">
+                  <a:schemeClr val="dk1"/>
+                </a:effectRef>
+                <a:fontRef idx="minor">
+                  <a:schemeClr val="tx1"/>
+                </a:fontRef>
+              </p:style>
+            </p:cxnSp>
+            <p:cxnSp>
+              <p:nvCxnSpPr>
+                <p:cNvPr id="84" name="83 Conector recto de flecha"/>
+                <p:cNvCxnSpPr>
+                  <a:stCxn id="76" idx="2"/>
+                  <a:endCxn id="77" idx="0"/>
+                </p:cNvCxnSpPr>
+                <p:nvPr/>
+              </p:nvCxnSpPr>
+              <p:spPr>
+                <a:xfrm>
+                  <a:off x="3383868" y="2852936"/>
+                  <a:ext cx="1500" cy="360040"/>
+                </a:xfrm>
+                <a:prstGeom prst="straightConnector1">
+                  <a:avLst/>
+                </a:prstGeom>
+                <a:ln>
+                  <a:tailEnd type="arrow"/>
+                </a:ln>
+              </p:spPr>
+              <p:style>
+                <a:lnRef idx="2">
+                  <a:schemeClr val="dk1"/>
+                </a:lnRef>
+                <a:fillRef idx="0">
+                  <a:schemeClr val="dk1"/>
+                </a:fillRef>
+                <a:effectRef idx="1">
+                  <a:schemeClr val="dk1"/>
+                </a:effectRef>
+                <a:fontRef idx="minor">
+                  <a:schemeClr val="tx1"/>
+                </a:fontRef>
+              </p:style>
+            </p:cxnSp>
+            <p:cxnSp>
+              <p:nvCxnSpPr>
+                <p:cNvPr id="85" name="84 Conector recto de flecha"/>
+                <p:cNvCxnSpPr>
+                  <a:stCxn id="77" idx="4"/>
+                  <a:endCxn id="78" idx="0"/>
+                </p:cNvCxnSpPr>
+                <p:nvPr/>
+              </p:nvCxnSpPr>
+              <p:spPr>
+                <a:xfrm>
+                  <a:off x="3385368" y="3717032"/>
+                  <a:ext cx="5061" cy="1944216"/>
+                </a:xfrm>
+                <a:prstGeom prst="straightConnector1">
+                  <a:avLst/>
+                </a:prstGeom>
+                <a:ln>
+                  <a:tailEnd type="arrow"/>
+                </a:ln>
+              </p:spPr>
+              <p:style>
+                <a:lnRef idx="2">
+                  <a:schemeClr val="dk1"/>
+                </a:lnRef>
+                <a:fillRef idx="0">
+                  <a:schemeClr val="dk1"/>
+                </a:fillRef>
+                <a:effectRef idx="1">
+                  <a:schemeClr val="dk1"/>
+                </a:effectRef>
+                <a:fontRef idx="minor">
+                  <a:schemeClr val="tx1"/>
+                </a:fontRef>
+              </p:style>
+            </p:cxnSp>
+            <p:cxnSp>
+              <p:nvCxnSpPr>
+                <p:cNvPr id="86" name="85 Conector recto de flecha"/>
+                <p:cNvCxnSpPr>
+                  <a:stCxn id="77" idx="4"/>
+                  <a:endCxn id="79" idx="0"/>
+                </p:cNvCxnSpPr>
+                <p:nvPr/>
+              </p:nvCxnSpPr>
+              <p:spPr>
+                <a:xfrm>
+                  <a:off x="3385368" y="3717032"/>
+                  <a:ext cx="1472568" cy="331465"/>
+                </a:xfrm>
+                <a:prstGeom prst="straightConnector1">
+                  <a:avLst/>
+                </a:prstGeom>
+                <a:ln>
+                  <a:tailEnd type="arrow"/>
+                </a:ln>
+              </p:spPr>
+              <p:style>
+                <a:lnRef idx="2">
+                  <a:schemeClr val="dk1"/>
+                </a:lnRef>
+                <a:fillRef idx="0">
+                  <a:schemeClr val="dk1"/>
+                </a:fillRef>
+                <a:effectRef idx="1">
+                  <a:schemeClr val="dk1"/>
+                </a:effectRef>
+                <a:fontRef idx="minor">
+                  <a:schemeClr val="tx1"/>
+                </a:fontRef>
+              </p:style>
+            </p:cxnSp>
+            <p:cxnSp>
+              <p:nvCxnSpPr>
+                <p:cNvPr id="87" name="86 Conector recto de flecha"/>
+                <p:cNvCxnSpPr>
+                  <a:stCxn id="79" idx="2"/>
+                  <a:endCxn id="81" idx="0"/>
+                </p:cNvCxnSpPr>
+                <p:nvPr/>
+              </p:nvCxnSpPr>
+              <p:spPr>
+                <a:xfrm>
+                  <a:off x="4857936" y="4696569"/>
+                  <a:ext cx="2096" cy="315416"/>
+                </a:xfrm>
+                <a:prstGeom prst="straightConnector1">
+                  <a:avLst/>
+                </a:prstGeom>
+                <a:ln>
+                  <a:tailEnd type="arrow"/>
+                </a:ln>
+              </p:spPr>
+              <p:style>
+                <a:lnRef idx="2">
+                  <a:schemeClr val="dk1"/>
+                </a:lnRef>
+                <a:fillRef idx="0">
+                  <a:schemeClr val="dk1"/>
+                </a:fillRef>
+                <a:effectRef idx="1">
+                  <a:schemeClr val="dk1"/>
+                </a:effectRef>
+                <a:fontRef idx="minor">
+                  <a:schemeClr val="tx1"/>
+                </a:fontRef>
+              </p:style>
+            </p:cxnSp>
+            <p:cxnSp>
+              <p:nvCxnSpPr>
+                <p:cNvPr id="88" name="87 Conector recto de flecha"/>
+                <p:cNvCxnSpPr>
+                  <a:stCxn id="78" idx="2"/>
+                  <a:endCxn id="80" idx="0"/>
+                </p:cNvCxnSpPr>
+                <p:nvPr/>
+              </p:nvCxnSpPr>
+              <p:spPr>
+                <a:xfrm flipH="1">
+                  <a:off x="3388484" y="6453336"/>
+                  <a:ext cx="1945" cy="404664"/>
+                </a:xfrm>
+                <a:prstGeom prst="straightConnector1">
+                  <a:avLst/>
+                </a:prstGeom>
+                <a:ln>
+                  <a:tailEnd type="arrow"/>
+                </a:ln>
+              </p:spPr>
+              <p:style>
+                <a:lnRef idx="2">
+                  <a:schemeClr val="dk1"/>
+                </a:lnRef>
+                <a:fillRef idx="0">
+                  <a:schemeClr val="dk1"/>
+                </a:fillRef>
+                <a:effectRef idx="1">
+                  <a:schemeClr val="dk1"/>
+                </a:effectRef>
+                <a:fontRef idx="minor">
+                  <a:schemeClr val="tx1"/>
+                </a:fontRef>
+              </p:style>
+            </p:cxnSp>
+            <p:sp>
+              <p:nvSpPr>
+                <p:cNvPr id="89" name="88 Rectángulo"/>
+                <p:cNvSpPr/>
+                <p:nvPr/>
+              </p:nvSpPr>
+              <p:spPr>
+                <a:xfrm>
+                  <a:off x="899592" y="4049688"/>
+                  <a:ext cx="2088232" cy="648072"/>
+                </a:xfrm>
+                <a:prstGeom prst="rect">
+                  <a:avLst/>
+                </a:prstGeom>
+                <a:solidFill>
+                  <a:schemeClr val="bg1">
+                    <a:lumMod val="75000"/>
+                  </a:schemeClr>
+                </a:solidFill>
+                <a:ln>
+                  <a:solidFill>
+                    <a:schemeClr val="bg1">
+                      <a:lumMod val="50000"/>
+                    </a:schemeClr>
+                  </a:solidFill>
+                </a:ln>
+              </p:spPr>
+              <p:style>
+                <a:lnRef idx="2">
+                  <a:schemeClr val="accent1">
+                    <a:shade val="50000"/>
+                  </a:schemeClr>
+                </a:lnRef>
+                <a:fillRef idx="1">
+                  <a:schemeClr val="accent1"/>
+                </a:fillRef>
+                <a:effectRef idx="0">
+                  <a:schemeClr val="accent1"/>
+                </a:effectRef>
+                <a:fontRef idx="minor">
+                  <a:schemeClr val="lt1"/>
+                </a:fontRef>
+              </p:style>
+              <p:txBody>
+                <a:bodyPr rtlCol="0" anchor="ctr"/>
+                <a:lstStyle/>
+                <a:p>
+                  <a:pPr algn="ctr"/>
+                  <a:r>
+                    <a:rPr lang="es-ES" dirty="0" err="1" smtClean="0">
+                      <a:solidFill>
+                        <a:schemeClr val="tx1"/>
+                      </a:solidFill>
+                    </a:rPr>
+                    <a:t>Instantiate</a:t>
+                  </a:r>
+                  <a:r>
+                    <a:rPr lang="es-ES" dirty="0" smtClean="0">
+                      <a:solidFill>
+                        <a:schemeClr val="tx1"/>
+                      </a:solidFill>
+                    </a:rPr>
+                    <a:t> </a:t>
+                  </a:r>
+                  <a:r>
+                    <a:rPr lang="es-ES" dirty="0" smtClean="0">
+                      <a:solidFill>
+                        <a:schemeClr val="tx1"/>
+                      </a:solidFill>
+                    </a:rPr>
+                    <a:t> </a:t>
+                  </a:r>
+                  <a:r>
+                    <a:rPr lang="es-ES" dirty="0" err="1" smtClean="0">
+                      <a:solidFill>
+                        <a:schemeClr val="tx1"/>
+                      </a:solidFill>
+                    </a:rPr>
+                    <a:t>abstract</a:t>
+                  </a:r>
+                  <a:endParaRPr lang="es-ES" dirty="0" smtClean="0">
+                    <a:solidFill>
+                      <a:schemeClr val="tx1"/>
+                    </a:solidFill>
+                  </a:endParaRPr>
+                </a:p>
+                <a:p>
+                  <a:pPr algn="ctr"/>
+                  <a:r>
+                    <a:rPr lang="es-ES" dirty="0" smtClean="0">
+                      <a:solidFill>
+                        <a:schemeClr val="tx1"/>
+                      </a:solidFill>
+                    </a:rPr>
+                    <a:t> </a:t>
+                  </a:r>
+                  <a:r>
+                    <a:rPr lang="es-ES" dirty="0" err="1" smtClean="0">
+                      <a:solidFill>
+                        <a:schemeClr val="tx1"/>
+                      </a:solidFill>
+                    </a:rPr>
+                    <a:t>results</a:t>
+                  </a:r>
+                  <a:endParaRPr lang="es-ES" dirty="0">
+                    <a:solidFill>
+                      <a:schemeClr val="tx1"/>
+                    </a:solidFill>
+                  </a:endParaRPr>
+                </a:p>
+              </p:txBody>
+            </p:sp>
+            <p:cxnSp>
+              <p:nvCxnSpPr>
+                <p:cNvPr id="90" name="89 Conector recto de flecha"/>
+                <p:cNvCxnSpPr>
+                  <a:stCxn id="77" idx="4"/>
+                  <a:endCxn id="89" idx="0"/>
+                </p:cNvCxnSpPr>
+                <p:nvPr/>
+              </p:nvCxnSpPr>
+              <p:spPr>
+                <a:xfrm flipH="1">
+                  <a:off x="1943708" y="3717032"/>
+                  <a:ext cx="1441660" cy="332656"/>
+                </a:xfrm>
+                <a:prstGeom prst="straightConnector1">
+                  <a:avLst/>
+                </a:prstGeom>
+                <a:ln>
+                  <a:tailEnd type="arrow"/>
+                </a:ln>
+              </p:spPr>
+              <p:style>
+                <a:lnRef idx="2">
+                  <a:schemeClr val="dk1"/>
+                </a:lnRef>
+                <a:fillRef idx="0">
+                  <a:schemeClr val="dk1"/>
+                </a:fillRef>
+                <a:effectRef idx="1">
+                  <a:schemeClr val="dk1"/>
+                </a:effectRef>
+                <a:fontRef idx="minor">
+                  <a:schemeClr val="tx1"/>
+                </a:fontRef>
+              </p:style>
+            </p:cxnSp>
+            <p:sp>
+              <p:nvSpPr>
+                <p:cNvPr id="91" name="90 Elipse"/>
+                <p:cNvSpPr/>
+                <p:nvPr/>
+              </p:nvSpPr>
+              <p:spPr>
+                <a:xfrm>
+                  <a:off x="973095" y="5031934"/>
+                  <a:ext cx="1944216" cy="576064"/>
+                </a:xfrm>
+                <a:prstGeom prst="ellipse">
+                  <a:avLst/>
+                </a:prstGeom>
+                <a:ln w="28575">
+                  <a:solidFill>
+                    <a:schemeClr val="accent6">
+                      <a:lumMod val="75000"/>
+                    </a:schemeClr>
+                  </a:solidFill>
+                </a:ln>
+              </p:spPr>
+              <p:style>
+                <a:lnRef idx="1">
+                  <a:schemeClr val="accent6"/>
+                </a:lnRef>
+                <a:fillRef idx="2">
+                  <a:schemeClr val="accent6"/>
+                </a:fillRef>
+                <a:effectRef idx="1">
+                  <a:schemeClr val="accent6"/>
+                </a:effectRef>
+                <a:fontRef idx="minor">
+                  <a:schemeClr val="dk1"/>
+                </a:fontRef>
+              </p:style>
+              <p:txBody>
+                <a:bodyPr rtlCol="0" anchor="ctr"/>
+                <a:lstStyle/>
+                <a:p>
+                  <a:pPr algn="ctr"/>
+                  <a:r>
+                    <a:rPr lang="es-ES" sz="1400" dirty="0" err="1" smtClean="0"/>
+                    <a:t>Fragment</a:t>
+                  </a:r>
+                  <a:r>
+                    <a:rPr lang="es-ES" sz="1400" dirty="0" smtClean="0"/>
+                    <a:t> </a:t>
+                  </a:r>
+                  <a:r>
+                    <a:rPr lang="es-ES" sz="1400" dirty="0" err="1" smtClean="0"/>
+                    <a:t>Instances</a:t>
+                  </a:r>
+                  <a:endParaRPr lang="es-ES" sz="1400" dirty="0"/>
+                </a:p>
+              </p:txBody>
+            </p:sp>
+            <p:cxnSp>
+              <p:nvCxnSpPr>
+                <p:cNvPr id="92" name="91 Conector recto de flecha"/>
+                <p:cNvCxnSpPr>
+                  <a:stCxn id="89" idx="2"/>
+                  <a:endCxn id="91" idx="0"/>
+                </p:cNvCxnSpPr>
+                <p:nvPr/>
+              </p:nvCxnSpPr>
+              <p:spPr>
+                <a:xfrm>
+                  <a:off x="1943708" y="4697760"/>
+                  <a:ext cx="1495" cy="334174"/>
+                </a:xfrm>
+                <a:prstGeom prst="straightConnector1">
+                  <a:avLst/>
+                </a:prstGeom>
+                <a:ln>
+                  <a:tailEnd type="arrow"/>
+                </a:ln>
+              </p:spPr>
+              <p:style>
+                <a:lnRef idx="2">
+                  <a:schemeClr val="dk1"/>
+                </a:lnRef>
+                <a:fillRef idx="0">
+                  <a:schemeClr val="dk1"/>
+                </a:fillRef>
+                <a:effectRef idx="1">
+                  <a:schemeClr val="dk1"/>
+                </a:effectRef>
+                <a:fontRef idx="minor">
+                  <a:schemeClr val="tx1"/>
+                </a:fontRef>
+              </p:style>
+            </p:cxnSp>
+            <p:cxnSp>
+              <p:nvCxnSpPr>
+                <p:cNvPr id="93" name="92 Conector recto de flecha"/>
+                <p:cNvCxnSpPr>
+                  <a:stCxn id="91" idx="4"/>
+                  <a:endCxn id="78" idx="1"/>
+                </p:cNvCxnSpPr>
+                <p:nvPr/>
+              </p:nvCxnSpPr>
+              <p:spPr>
+                <a:xfrm>
+                  <a:off x="1945203" y="5607998"/>
+                  <a:ext cx="407670" cy="449294"/>
+                </a:xfrm>
+                <a:prstGeom prst="straightConnector1">
+                  <a:avLst/>
+                </a:prstGeom>
+                <a:ln>
+                  <a:tailEnd type="arrow"/>
+                </a:ln>
+              </p:spPr>
+              <p:style>
+                <a:lnRef idx="2">
+                  <a:schemeClr val="dk1"/>
+                </a:lnRef>
+                <a:fillRef idx="0">
+                  <a:schemeClr val="dk1"/>
+                </a:fillRef>
+                <a:effectRef idx="1">
+                  <a:schemeClr val="dk1"/>
+                </a:effectRef>
+                <a:fontRef idx="minor">
+                  <a:schemeClr val="tx1"/>
+                </a:fontRef>
+              </p:style>
+            </p:cxnSp>
+          </p:grpSp>
+          <p:sp>
+            <p:nvSpPr>
+              <p:cNvPr id="72" name="71 Rectángulo"/>
+              <p:cNvSpPr/>
+              <p:nvPr/>
+            </p:nvSpPr>
+            <p:spPr>
+              <a:xfrm>
+                <a:off x="6410300" y="692696"/>
+                <a:ext cx="2088232" cy="648072"/>
+              </a:xfrm>
+              <a:prstGeom prst="rect">
+                <a:avLst/>
+              </a:prstGeom>
+              <a:solidFill>
+                <a:schemeClr val="bg1">
+                  <a:lumMod val="75000"/>
+                </a:schemeClr>
+              </a:solidFill>
+              <a:ln>
+                <a:solidFill>
+                  <a:schemeClr val="bg1">
+                    <a:lumMod val="50000"/>
+                  </a:schemeClr>
+                </a:solidFill>
+              </a:ln>
+            </p:spPr>
+            <p:style>
+              <a:lnRef idx="2">
+                <a:schemeClr val="accent1">
+                  <a:shade val="50000"/>
+                </a:schemeClr>
+              </a:lnRef>
+              <a:fillRef idx="1">
+                <a:schemeClr val="accent1"/>
+              </a:fillRef>
+              <a:effectRef idx="0">
+                <a:schemeClr val="accent1"/>
+              </a:effectRef>
+              <a:fontRef idx="minor">
+                <a:schemeClr val="lt1"/>
+              </a:fontRef>
+            </p:style>
+            <p:txBody>
+              <a:bodyPr rtlCol="0" anchor="ctr"/>
+              <a:lstStyle/>
+              <a:p>
+                <a:pPr algn="ctr"/>
+                <a:r>
+                  <a:rPr lang="es-ES" dirty="0" err="1" smtClean="0">
+                    <a:solidFill>
+                      <a:schemeClr val="tx1"/>
+                    </a:solidFill>
+                  </a:rPr>
+                  <a:t>CreateAbstract</a:t>
+                </a:r>
+                <a:r>
+                  <a:rPr lang="es-ES" dirty="0" smtClean="0">
+                    <a:solidFill>
+                      <a:schemeClr val="tx1"/>
+                    </a:solidFill>
+                  </a:rPr>
+                  <a:t/>
+                </a:r>
+                <a:br>
+                  <a:rPr lang="es-ES" dirty="0" smtClean="0">
+                    <a:solidFill>
+                      <a:schemeClr val="tx1"/>
+                    </a:solidFill>
+                  </a:rPr>
+                </a:br>
+                <a:r>
+                  <a:rPr lang="es-ES" dirty="0" err="1" smtClean="0">
+                    <a:solidFill>
+                      <a:schemeClr val="tx1"/>
+                    </a:solidFill>
+                  </a:rPr>
+                  <a:t>Catalog</a:t>
+                </a:r>
+                <a:endParaRPr lang="es-ES" dirty="0">
+                  <a:solidFill>
+                    <a:schemeClr val="tx1"/>
+                  </a:solidFill>
+                </a:endParaRPr>
+              </a:p>
+            </p:txBody>
+          </p:sp>
+        </p:grpSp>
+        <p:sp>
+          <p:nvSpPr>
+            <p:cNvPr id="66" name="65 Elipse"/>
+            <p:cNvSpPr/>
+            <p:nvPr/>
+          </p:nvSpPr>
+          <p:spPr>
+            <a:xfrm>
+              <a:off x="6233517" y="1584176"/>
+              <a:ext cx="2448272" cy="404664"/>
+            </a:xfrm>
+            <a:prstGeom prst="ellipse">
+              <a:avLst/>
+            </a:prstGeom>
+            <a:ln w="28575">
+              <a:solidFill>
+                <a:schemeClr val="accent6">
+                  <a:lumMod val="75000"/>
+                </a:schemeClr>
+              </a:solidFill>
+            </a:ln>
+          </p:spPr>
+          <p:style>
+            <a:lnRef idx="1">
+              <a:schemeClr val="accent6"/>
+            </a:lnRef>
+            <a:fillRef idx="2">
+              <a:schemeClr val="accent6"/>
+            </a:fillRef>
+            <a:effectRef idx="1">
+              <a:schemeClr val="accent6"/>
+            </a:effectRef>
+            <a:fontRef idx="minor">
+              <a:schemeClr val="dk1"/>
+            </a:fontRef>
+          </p:style>
+          <p:txBody>
+            <a:bodyPr rtlCol="0" anchor="ctr"/>
+            <a:lstStyle/>
+            <a:p>
+              <a:pPr algn="ctr"/>
+              <a:r>
+                <a:rPr lang="es-ES" sz="1400" dirty="0" err="1" smtClean="0"/>
+                <a:t>Abstract</a:t>
+              </a:r>
+              <a:r>
+                <a:rPr lang="es-ES" sz="1400" dirty="0" smtClean="0"/>
+                <a:t> </a:t>
+              </a:r>
+              <a:r>
+                <a:rPr lang="es-ES" sz="1400" dirty="0" err="1" smtClean="0"/>
+                <a:t>Dependency</a:t>
+              </a:r>
+              <a:r>
+                <a:rPr lang="es-ES" sz="1400" dirty="0" smtClean="0"/>
+                <a:t> </a:t>
+              </a:r>
+              <a:r>
+                <a:rPr lang="es-ES" sz="1400" dirty="0" err="1" smtClean="0"/>
+                <a:t>Graph</a:t>
+              </a:r>
+              <a:endParaRPr lang="es-ES" sz="1400" dirty="0"/>
+            </a:p>
+          </p:txBody>
+        </p:sp>
+        <p:cxnSp>
+          <p:nvCxnSpPr>
+            <p:cNvPr id="67" name="66 Conector recto de flecha"/>
+            <p:cNvCxnSpPr>
+              <a:stCxn id="75" idx="4"/>
+              <a:endCxn id="72" idx="0"/>
+            </p:cNvCxnSpPr>
+            <p:nvPr/>
+          </p:nvCxnSpPr>
+          <p:spPr>
+            <a:xfrm>
+              <a:off x="7454118" y="404664"/>
+              <a:ext cx="298" cy="288032"/>
+            </a:xfrm>
+            <a:prstGeom prst="straightConnector1">
+              <a:avLst/>
+            </a:prstGeom>
+            <a:ln>
+              <a:tailEnd type="arrow"/>
+            </a:ln>
+          </p:spPr>
+          <p:style>
+            <a:lnRef idx="2">
+              <a:schemeClr val="dk1"/>
+            </a:lnRef>
+            <a:fillRef idx="0">
+              <a:schemeClr val="dk1"/>
+            </a:fillRef>
+            <a:effectRef idx="1">
+              <a:schemeClr val="dk1"/>
+            </a:effectRef>
+            <a:fontRef idx="minor">
+              <a:schemeClr val="tx1"/>
+            </a:fontRef>
+          </p:style>
+        </p:cxnSp>
+        <p:cxnSp>
+          <p:nvCxnSpPr>
+            <p:cNvPr id="68" name="67 Conector recto de flecha"/>
+            <p:cNvCxnSpPr>
+              <a:stCxn id="72" idx="2"/>
+              <a:endCxn id="66" idx="0"/>
+            </p:cNvCxnSpPr>
+            <p:nvPr/>
+          </p:nvCxnSpPr>
+          <p:spPr>
+            <a:xfrm>
+              <a:off x="7454416" y="1340768"/>
+              <a:ext cx="3237" cy="243408"/>
+            </a:xfrm>
+            <a:prstGeom prst="straightConnector1">
+              <a:avLst/>
+            </a:prstGeom>
+            <a:ln>
+              <a:tailEnd type="arrow"/>
+            </a:ln>
+          </p:spPr>
+          <p:style>
+            <a:lnRef idx="2">
+              <a:schemeClr val="dk1"/>
+            </a:lnRef>
+            <a:fillRef idx="0">
+              <a:schemeClr val="dk1"/>
+            </a:fillRef>
+            <a:effectRef idx="1">
+              <a:schemeClr val="dk1"/>
+            </a:effectRef>
+            <a:fontRef idx="minor">
+              <a:schemeClr val="tx1"/>
+            </a:fontRef>
+          </p:style>
+        </p:cxnSp>
+        <p:cxnSp>
+          <p:nvCxnSpPr>
+            <p:cNvPr id="69" name="68 Conector recto de flecha"/>
+            <p:cNvCxnSpPr>
+              <a:stCxn id="66" idx="4"/>
+              <a:endCxn id="76" idx="0"/>
+            </p:cNvCxnSpPr>
+            <p:nvPr/>
+          </p:nvCxnSpPr>
+          <p:spPr>
+            <a:xfrm flipH="1">
+              <a:off x="7454416" y="1988840"/>
+              <a:ext cx="3237" cy="216024"/>
+            </a:xfrm>
+            <a:prstGeom prst="straightConnector1">
+              <a:avLst/>
+            </a:prstGeom>
+            <a:ln>
+              <a:tailEnd type="arrow"/>
+            </a:ln>
+          </p:spPr>
+          <p:style>
+            <a:lnRef idx="2">
+              <a:schemeClr val="dk1"/>
+            </a:lnRef>
+            <a:fillRef idx="0">
+              <a:schemeClr val="dk1"/>
+            </a:fillRef>
+            <a:effectRef idx="1">
+              <a:schemeClr val="dk1"/>
+            </a:effectRef>
+            <a:fontRef idx="minor">
+              <a:schemeClr val="tx1"/>
+            </a:fontRef>
+          </p:style>
+        </p:cxnSp>
+      </p:grpSp>
+    </p:spTree>
+  </p:cSld>
+  <p:clrMapOvr>
+    <a:masterClrMapping/>
+  </p:clrMapOvr>
+</p:sld>
+</file>
+
+<file path=ppt/slides/slide2.xml><?xml version="1.0" encoding="utf-8"?>
+<p:sld xmlns:a="http://schemas.openxmlformats.org/drawingml/2006/main" xmlns:r="http://schemas.openxmlformats.org/officeDocument/2006/relationships" xmlns:p="http://schemas.openxmlformats.org/presentationml/2006/main">
+  <p:cSld>
+    <p:spTree>
+      <p:nvGrpSpPr>
+        <p:cNvPr id="1" name=""/>
+        <p:cNvGrpSpPr/>
+        <p:nvPr/>
+      </p:nvGrpSpPr>
+      <p:grpSpPr>
+        <a:xfrm>
+          <a:off x="0" y="0"/>
+          <a:ext cx="0" cy="0"/>
+          <a:chOff x="0" y="0"/>
+          <a:chExt cx="0" cy="0"/>
+        </a:xfrm>
+      </p:grpSpPr>
+      <p:grpSp>
+        <p:nvGrpSpPr>
+          <p:cNvPr id="104" name="103 Grupo"/>
+          <p:cNvGrpSpPr/>
+          <p:nvPr/>
+        </p:nvGrpSpPr>
+        <p:grpSpPr>
+          <a:xfrm>
+            <a:off x="-108520" y="-1611560"/>
+            <a:ext cx="10081120" cy="8829600"/>
+            <a:chOff x="-108520" y="-1611560"/>
+            <a:chExt cx="10081120" cy="8829600"/>
+          </a:xfrm>
+        </p:grpSpPr>
+        <p:grpSp>
+          <p:nvGrpSpPr>
+            <p:cNvPr id="2" name="70 Grupo"/>
+            <p:cNvGrpSpPr/>
+            <p:nvPr/>
+          </p:nvGrpSpPr>
+          <p:grpSpPr>
+            <a:xfrm>
+              <a:off x="-108520" y="-99392"/>
+              <a:ext cx="5002460" cy="7317432"/>
+              <a:chOff x="899592" y="-99392"/>
+              <a:chExt cx="5002460" cy="7317432"/>
+            </a:xfrm>
+          </p:grpSpPr>
+          <p:sp>
+            <p:nvSpPr>
+              <p:cNvPr id="4" name="3 Rectángulo"/>
+              <p:cNvSpPr/>
+              <p:nvPr/>
+            </p:nvSpPr>
+            <p:spPr>
+              <a:xfrm>
+                <a:off x="2339752" y="576064"/>
+                <a:ext cx="2088232" cy="648072"/>
+              </a:xfrm>
+              <a:prstGeom prst="rect">
+                <a:avLst/>
+              </a:prstGeom>
+            </p:spPr>
+            <p:style>
+              <a:lnRef idx="2">
+                <a:schemeClr val="accent1">
+                  <a:shade val="50000"/>
+                </a:schemeClr>
+              </a:lnRef>
+              <a:fillRef idx="1">
+                <a:schemeClr val="accent1"/>
+              </a:fillRef>
+              <a:effectRef idx="0">
+                <a:schemeClr val="accent1"/>
+              </a:effectRef>
+              <a:fontRef idx="minor">
+                <a:schemeClr val="lt1"/>
+              </a:fontRef>
+            </p:style>
+            <p:txBody>
+              <a:bodyPr rtlCol="0" anchor="ctr"/>
+              <a:lstStyle/>
+              <a:p>
+                <a:pPr algn="ctr"/>
+                <a:r>
+                  <a:rPr lang="es-ES" dirty="0" err="1" smtClean="0"/>
+                  <a:t>Retrieve</a:t>
+                </a:r>
+                <a:r>
+                  <a:rPr lang="es-ES" dirty="0" smtClean="0"/>
+                  <a:t> OPMW </a:t>
+                </a:r>
+                <a:r>
+                  <a:rPr lang="es-ES" dirty="0" err="1" smtClean="0"/>
+                  <a:t>templates</a:t>
+                </a:r>
+                <a:endParaRPr lang="es-ES" dirty="0"/>
+              </a:p>
+            </p:txBody>
+          </p:sp>
+          <p:sp>
+            <p:nvSpPr>
+              <p:cNvPr id="6" name="5 Elipse"/>
+              <p:cNvSpPr/>
+              <p:nvPr/>
+            </p:nvSpPr>
+            <p:spPr>
+              <a:xfrm>
+                <a:off x="2512343" y="-99392"/>
+                <a:ext cx="1728192" cy="459432"/>
+              </a:xfrm>
+              <a:prstGeom prst="ellipse">
+                <a:avLst/>
+              </a:prstGeom>
+              <a:ln w="28575">
+                <a:solidFill>
+                  <a:schemeClr val="accent6">
+                    <a:lumMod val="75000"/>
+                  </a:schemeClr>
+                </a:solidFill>
+              </a:ln>
+            </p:spPr>
+            <p:style>
+              <a:lnRef idx="1">
+                <a:schemeClr val="accent6"/>
+              </a:lnRef>
+              <a:fillRef idx="2">
+                <a:schemeClr val="accent6"/>
+              </a:fillRef>
+              <a:effectRef idx="1">
+                <a:schemeClr val="accent6"/>
+              </a:effectRef>
+              <a:fontRef idx="minor">
+                <a:schemeClr val="dk1"/>
+              </a:fontRef>
+            </p:style>
+            <p:txBody>
+              <a:bodyPr rtlCol="0" anchor="ctr"/>
+              <a:lstStyle/>
+              <a:p>
+                <a:pPr algn="ctr"/>
+                <a:r>
+                  <a:rPr lang="es-ES" sz="1400" dirty="0" smtClean="0"/>
+                  <a:t>OPMW</a:t>
+                </a:r>
+                <a:br>
+                  <a:rPr lang="es-ES" sz="1400" dirty="0" smtClean="0"/>
+                </a:br>
+                <a:r>
+                  <a:rPr lang="es-ES" sz="1400" dirty="0" err="1" smtClean="0"/>
+                  <a:t>Repository</a:t>
+                </a:r>
+                <a:endParaRPr lang="es-ES" sz="1400" dirty="0"/>
+              </a:p>
+            </p:txBody>
+          </p:sp>
+          <p:sp>
+            <p:nvSpPr>
+              <p:cNvPr id="7" name="6 Elipse"/>
+              <p:cNvSpPr/>
+              <p:nvPr/>
+            </p:nvSpPr>
+            <p:spPr>
+              <a:xfrm>
+                <a:off x="2583755" y="1512168"/>
+                <a:ext cx="1618680" cy="404664"/>
+              </a:xfrm>
+              <a:prstGeom prst="ellipse">
+                <a:avLst/>
+              </a:prstGeom>
+              <a:ln w="28575">
+                <a:solidFill>
+                  <a:schemeClr val="accent6">
+                    <a:lumMod val="75000"/>
+                  </a:schemeClr>
+                </a:solidFill>
+              </a:ln>
+            </p:spPr>
+            <p:style>
+              <a:lnRef idx="1">
+                <a:schemeClr val="accent6"/>
+              </a:lnRef>
+              <a:fillRef idx="2">
+                <a:schemeClr val="accent6"/>
+              </a:fillRef>
+              <a:effectRef idx="1">
+                <a:schemeClr val="accent6"/>
+              </a:effectRef>
+              <a:fontRef idx="minor">
+                <a:schemeClr val="dk1"/>
+              </a:fontRef>
+            </p:style>
+            <p:txBody>
+              <a:bodyPr rtlCol="0" anchor="ctr"/>
+              <a:lstStyle/>
+              <a:p>
+                <a:pPr algn="ctr"/>
+                <a:r>
+                  <a:rPr lang="es-ES" sz="1400" dirty="0" err="1" smtClean="0"/>
+                  <a:t>Dependency</a:t>
+                </a:r>
+                <a:r>
+                  <a:rPr lang="es-ES" sz="1400" dirty="0" smtClean="0"/>
+                  <a:t> </a:t>
+                </a:r>
+                <a:r>
+                  <a:rPr lang="es-ES" sz="1400" dirty="0" err="1" smtClean="0"/>
+                  <a:t>Graph</a:t>
+                </a:r>
+                <a:endParaRPr lang="es-ES" sz="1400" dirty="0"/>
+              </a:p>
+            </p:txBody>
+          </p:sp>
+          <p:sp>
+            <p:nvSpPr>
+              <p:cNvPr id="8" name="7 Rectángulo"/>
+              <p:cNvSpPr/>
+              <p:nvPr/>
+            </p:nvSpPr>
+            <p:spPr>
+              <a:xfrm>
+                <a:off x="2339752" y="2204864"/>
+                <a:ext cx="2088232" cy="648072"/>
+              </a:xfrm>
+              <a:prstGeom prst="rect">
+                <a:avLst/>
+              </a:prstGeom>
+            </p:spPr>
+            <p:style>
+              <a:lnRef idx="2">
+                <a:schemeClr val="accent1">
+                  <a:shade val="50000"/>
+                </a:schemeClr>
+              </a:lnRef>
+              <a:fillRef idx="1">
+                <a:schemeClr val="accent1"/>
+              </a:fillRef>
+              <a:effectRef idx="0">
+                <a:schemeClr val="accent1"/>
+              </a:effectRef>
+              <a:fontRef idx="minor">
+                <a:schemeClr val="lt1"/>
+              </a:fontRef>
+            </p:style>
+            <p:txBody>
+              <a:bodyPr rtlCol="0" anchor="ctr"/>
+              <a:lstStyle/>
+              <a:p>
+                <a:pPr algn="ctr"/>
+                <a:r>
+                  <a:rPr lang="es-ES" dirty="0" smtClean="0"/>
+                  <a:t>SUBDUE</a:t>
+                </a:r>
+                <a:endParaRPr lang="es-ES" dirty="0"/>
+              </a:p>
+            </p:txBody>
+          </p:sp>
+          <p:sp>
+            <p:nvSpPr>
+              <p:cNvPr id="9" name="8 Elipse"/>
+              <p:cNvSpPr/>
+              <p:nvPr/>
+            </p:nvSpPr>
+            <p:spPr>
+              <a:xfrm>
+                <a:off x="2305248" y="3212976"/>
+                <a:ext cx="2160240" cy="504056"/>
+              </a:xfrm>
+              <a:prstGeom prst="ellipse">
+                <a:avLst/>
+              </a:prstGeom>
+              <a:ln w="28575">
+                <a:solidFill>
+                  <a:schemeClr val="accent6">
+                    <a:lumMod val="75000"/>
+                  </a:schemeClr>
+                </a:solidFill>
+              </a:ln>
+            </p:spPr>
+            <p:style>
+              <a:lnRef idx="1">
+                <a:schemeClr val="accent6"/>
+              </a:lnRef>
+              <a:fillRef idx="2">
+                <a:schemeClr val="accent6"/>
+              </a:fillRef>
+              <a:effectRef idx="1">
+                <a:schemeClr val="accent6"/>
+              </a:effectRef>
+              <a:fontRef idx="minor">
+                <a:schemeClr val="dk1"/>
+              </a:fontRef>
+            </p:style>
+            <p:txBody>
+              <a:bodyPr rtlCol="0" anchor="ctr"/>
+              <a:lstStyle/>
+              <a:p>
+                <a:pPr algn="ctr"/>
+                <a:r>
+                  <a:rPr lang="es-ES" sz="1400" dirty="0" err="1" smtClean="0"/>
+                  <a:t>Common</a:t>
+                </a:r>
+                <a:r>
+                  <a:rPr lang="es-ES" sz="1400" dirty="0" smtClean="0"/>
+                  <a:t> </a:t>
+                </a:r>
+                <a:r>
+                  <a:rPr lang="es-ES" sz="1400" dirty="0" err="1" smtClean="0"/>
+                  <a:t>fragment</a:t>
+                </a:r>
+                <a:r>
+                  <a:rPr lang="es-ES" sz="1400" dirty="0" smtClean="0"/>
+                  <a:t> </a:t>
+                </a:r>
+                <a:r>
+                  <a:rPr lang="es-ES" sz="1400" dirty="0" err="1" smtClean="0"/>
+                  <a:t>Results</a:t>
+                </a:r>
+                <a:endParaRPr lang="es-ES" sz="1400" dirty="0"/>
+              </a:p>
+            </p:txBody>
+          </p:sp>
+          <p:sp>
+            <p:nvSpPr>
+              <p:cNvPr id="10" name="9 Rectángulo"/>
+              <p:cNvSpPr/>
+              <p:nvPr/>
+            </p:nvSpPr>
+            <p:spPr>
+              <a:xfrm>
+                <a:off x="2352873" y="5661248"/>
+                <a:ext cx="2075111" cy="792088"/>
+              </a:xfrm>
+              <a:prstGeom prst="rect">
+                <a:avLst/>
+              </a:prstGeom>
+            </p:spPr>
+            <p:style>
+              <a:lnRef idx="2">
+                <a:schemeClr val="accent1">
+                  <a:shade val="50000"/>
+                </a:schemeClr>
+              </a:lnRef>
+              <a:fillRef idx="1">
+                <a:schemeClr val="accent1"/>
+              </a:fillRef>
+              <a:effectRef idx="0">
+                <a:schemeClr val="accent1"/>
+              </a:effectRef>
+              <a:fontRef idx="minor">
+                <a:schemeClr val="lt1"/>
+              </a:fontRef>
+            </p:style>
+            <p:txBody>
+              <a:bodyPr rtlCol="0" anchor="ctr"/>
+              <a:lstStyle/>
+              <a:p>
+                <a:pPr algn="ctr"/>
+                <a:r>
+                  <a:rPr lang="es-ES" dirty="0" err="1" smtClean="0"/>
+                  <a:t>Fragment</a:t>
+                </a:r>
+                <a:r>
+                  <a:rPr lang="es-ES" dirty="0" smtClean="0"/>
+                  <a:t> </a:t>
+                </a:r>
+                <a:r>
+                  <a:rPr lang="es-ES" dirty="0" err="1" smtClean="0"/>
+                  <a:t>catalog</a:t>
+                </a:r>
+                <a:r>
+                  <a:rPr lang="es-ES" dirty="0" smtClean="0"/>
+                  <a:t> </a:t>
+                </a:r>
+                <a:r>
+                  <a:rPr lang="es-ES" dirty="0" smtClean="0"/>
+                  <a:t>and </a:t>
+                </a:r>
+                <a:r>
+                  <a:rPr lang="es-ES" dirty="0" err="1" smtClean="0"/>
+                  <a:t>instances</a:t>
+                </a:r>
+                <a:r>
+                  <a:rPr lang="es-ES" dirty="0" smtClean="0"/>
+                  <a:t> </a:t>
+                </a:r>
+                <a:r>
+                  <a:rPr lang="es-ES" dirty="0" err="1" smtClean="0"/>
+                  <a:t>to</a:t>
+                </a:r>
+                <a:r>
+                  <a:rPr lang="es-ES" dirty="0" smtClean="0"/>
+                  <a:t> WF-FD</a:t>
+                </a:r>
+                <a:endParaRPr lang="es-ES" dirty="0"/>
+              </a:p>
+            </p:txBody>
+          </p:sp>
+          <p:sp>
+            <p:nvSpPr>
+              <p:cNvPr id="11" name="10 Rectángulo"/>
+              <p:cNvSpPr/>
+              <p:nvPr/>
+            </p:nvSpPr>
+            <p:spPr>
+              <a:xfrm>
+                <a:off x="3813820" y="4048497"/>
+                <a:ext cx="2088232" cy="648072"/>
+              </a:xfrm>
+              <a:prstGeom prst="rect">
+                <a:avLst/>
+              </a:prstGeom>
+            </p:spPr>
+            <p:style>
+              <a:lnRef idx="2">
+                <a:schemeClr val="accent1">
+                  <a:shade val="50000"/>
+                </a:schemeClr>
+              </a:lnRef>
+              <a:fillRef idx="1">
+                <a:schemeClr val="accent1"/>
+              </a:fillRef>
+              <a:effectRef idx="0">
+                <a:schemeClr val="accent1"/>
+              </a:effectRef>
+              <a:fontRef idx="minor">
+                <a:schemeClr val="lt1"/>
+              </a:fontRef>
+            </p:style>
+            <p:txBody>
+              <a:bodyPr rtlCol="0" anchor="ctr"/>
+              <a:lstStyle/>
+              <a:p>
+                <a:pPr algn="ctr"/>
+                <a:r>
+                  <a:rPr lang="es-ES" dirty="0" err="1" smtClean="0"/>
+                  <a:t>Get</a:t>
+                </a:r>
+                <a:r>
+                  <a:rPr lang="es-ES" dirty="0" smtClean="0"/>
+                  <a:t> </a:t>
+                </a:r>
+                <a:r>
+                  <a:rPr lang="es-ES" dirty="0" err="1" smtClean="0"/>
+                  <a:t>statistics</a:t>
+                </a:r>
+                <a:r>
+                  <a:rPr lang="es-ES" dirty="0" smtClean="0"/>
+                  <a:t> </a:t>
+                </a:r>
+                <a:r>
+                  <a:rPr lang="es-ES" dirty="0" err="1" smtClean="0"/>
+                  <a:t>from</a:t>
+                </a:r>
+                <a:r>
+                  <a:rPr lang="es-ES" dirty="0" smtClean="0"/>
+                  <a:t> </a:t>
+                </a:r>
+                <a:r>
+                  <a:rPr lang="es-ES" dirty="0" err="1" smtClean="0"/>
+                  <a:t>fragments</a:t>
+                </a:r>
+                <a:r>
+                  <a:rPr lang="es-ES" dirty="0" smtClean="0"/>
+                  <a:t> SUBDUE</a:t>
+                </a:r>
+                <a:endParaRPr lang="es-ES" dirty="0"/>
+              </a:p>
+            </p:txBody>
+          </p:sp>
+          <p:sp>
+            <p:nvSpPr>
+              <p:cNvPr id="12" name="11 Elipse"/>
+              <p:cNvSpPr/>
+              <p:nvPr/>
+            </p:nvSpPr>
+            <p:spPr>
+              <a:xfrm>
+                <a:off x="2743225" y="6858000"/>
+                <a:ext cx="1290518" cy="360040"/>
+              </a:xfrm>
+              <a:prstGeom prst="ellipse">
+                <a:avLst/>
+              </a:prstGeom>
+              <a:ln w="28575">
+                <a:solidFill>
+                  <a:schemeClr val="accent6">
+                    <a:lumMod val="75000"/>
+                  </a:schemeClr>
+                </a:solidFill>
+              </a:ln>
+            </p:spPr>
+            <p:style>
+              <a:lnRef idx="1">
+                <a:schemeClr val="accent6"/>
+              </a:lnRef>
+              <a:fillRef idx="2">
+                <a:schemeClr val="accent6"/>
+              </a:fillRef>
+              <a:effectRef idx="1">
+                <a:schemeClr val="accent6"/>
+              </a:effectRef>
+              <a:fontRef idx="minor">
+                <a:schemeClr val="dk1"/>
+              </a:fontRef>
+            </p:style>
+            <p:txBody>
+              <a:bodyPr rtlCol="0" anchor="ctr"/>
+              <a:lstStyle/>
+              <a:p>
+                <a:pPr algn="ctr"/>
+                <a:r>
+                  <a:rPr lang="es-ES" sz="1400" dirty="0" smtClean="0"/>
+                  <a:t>RDF</a:t>
+                </a:r>
+                <a:endParaRPr lang="es-ES" sz="1400" dirty="0"/>
+              </a:p>
+            </p:txBody>
+          </p:sp>
+          <p:sp>
+            <p:nvSpPr>
+              <p:cNvPr id="13" name="12 Elipse"/>
+              <p:cNvSpPr/>
+              <p:nvPr/>
+            </p:nvSpPr>
+            <p:spPr>
+              <a:xfrm>
+                <a:off x="4067944" y="5011985"/>
+                <a:ext cx="1584176" cy="360040"/>
+              </a:xfrm>
+              <a:prstGeom prst="ellipse">
+                <a:avLst/>
+              </a:prstGeom>
+              <a:ln w="28575">
+                <a:solidFill>
+                  <a:schemeClr val="accent6">
+                    <a:lumMod val="75000"/>
+                  </a:schemeClr>
+                </a:solidFill>
+              </a:ln>
+            </p:spPr>
+            <p:style>
+              <a:lnRef idx="1">
+                <a:schemeClr val="accent6"/>
+              </a:lnRef>
+              <a:fillRef idx="2">
+                <a:schemeClr val="accent6"/>
+              </a:fillRef>
+              <a:effectRef idx="1">
+                <a:schemeClr val="accent6"/>
+              </a:effectRef>
+              <a:fontRef idx="minor">
+                <a:schemeClr val="dk1"/>
+              </a:fontRef>
+            </p:style>
+            <p:txBody>
+              <a:bodyPr rtlCol="0" anchor="ctr"/>
+              <a:lstStyle/>
+              <a:p>
+                <a:pPr algn="ctr"/>
+                <a:r>
+                  <a:rPr lang="es-ES" sz="1400" dirty="0" err="1" smtClean="0"/>
+                  <a:t>Statistics</a:t>
+                </a:r>
+                <a:endParaRPr lang="es-ES" sz="1400" dirty="0"/>
+              </a:p>
+            </p:txBody>
+          </p:sp>
+          <p:cxnSp>
+            <p:nvCxnSpPr>
+              <p:cNvPr id="15" name="14 Conector recto de flecha"/>
+              <p:cNvCxnSpPr>
+                <a:stCxn id="6" idx="4"/>
+                <a:endCxn id="4" idx="0"/>
+              </p:cNvCxnSpPr>
+              <p:nvPr/>
+            </p:nvCxnSpPr>
+            <p:spPr>
+              <a:xfrm>
+                <a:off x="3376439" y="360040"/>
+                <a:ext cx="7429" cy="216024"/>
+              </a:xfrm>
+              <a:prstGeom prst="straightConnector1">
+                <a:avLst/>
+              </a:prstGeom>
+              <a:ln>
+                <a:tailEnd type="arrow"/>
+              </a:ln>
+            </p:spPr>
+            <p:style>
+              <a:lnRef idx="2">
+                <a:schemeClr val="dk1"/>
+              </a:lnRef>
+              <a:fillRef idx="0">
+                <a:schemeClr val="dk1"/>
+              </a:fillRef>
+              <a:effectRef idx="1">
+                <a:schemeClr val="dk1"/>
+              </a:effectRef>
+              <a:fontRef idx="minor">
+                <a:schemeClr val="tx1"/>
+              </a:fontRef>
+            </p:style>
+          </p:cxnSp>
+          <p:cxnSp>
+            <p:nvCxnSpPr>
+              <p:cNvPr id="16" name="15 Conector recto de flecha"/>
+              <p:cNvCxnSpPr>
+                <a:stCxn id="4" idx="2"/>
+                <a:endCxn id="7" idx="0"/>
+              </p:cNvCxnSpPr>
+              <p:nvPr/>
+            </p:nvCxnSpPr>
+            <p:spPr>
+              <a:xfrm>
+                <a:off x="3383868" y="1224136"/>
+                <a:ext cx="9227" cy="288032"/>
+              </a:xfrm>
+              <a:prstGeom prst="straightConnector1">
+                <a:avLst/>
+              </a:prstGeom>
+              <a:ln>
+                <a:tailEnd type="arrow"/>
+              </a:ln>
+            </p:spPr>
+            <p:style>
+              <a:lnRef idx="2">
+                <a:schemeClr val="dk1"/>
+              </a:lnRef>
+              <a:fillRef idx="0">
+                <a:schemeClr val="dk1"/>
+              </a:fillRef>
+              <a:effectRef idx="1">
+                <a:schemeClr val="dk1"/>
+              </a:effectRef>
+              <a:fontRef idx="minor">
+                <a:schemeClr val="tx1"/>
+              </a:fontRef>
+            </p:style>
+          </p:cxnSp>
+          <p:cxnSp>
+            <p:nvCxnSpPr>
+              <p:cNvPr id="19" name="18 Conector recto de flecha"/>
+              <p:cNvCxnSpPr>
+                <a:stCxn id="7" idx="4"/>
+                <a:endCxn id="8" idx="0"/>
+              </p:cNvCxnSpPr>
+              <p:nvPr/>
+            </p:nvCxnSpPr>
+            <p:spPr>
+              <a:xfrm flipH="1">
+                <a:off x="3383868" y="1916832"/>
+                <a:ext cx="9227" cy="288032"/>
+              </a:xfrm>
+              <a:prstGeom prst="straightConnector1">
+                <a:avLst/>
+              </a:prstGeom>
+              <a:ln>
+                <a:tailEnd type="arrow"/>
+              </a:ln>
+            </p:spPr>
+            <p:style>
+              <a:lnRef idx="2">
+                <a:schemeClr val="dk1"/>
+              </a:lnRef>
+              <a:fillRef idx="0">
+                <a:schemeClr val="dk1"/>
+              </a:fillRef>
+              <a:effectRef idx="1">
+                <a:schemeClr val="dk1"/>
+              </a:effectRef>
+              <a:fontRef idx="minor">
+                <a:schemeClr val="tx1"/>
+              </a:fontRef>
+            </p:style>
+          </p:cxnSp>
+          <p:cxnSp>
+            <p:nvCxnSpPr>
+              <p:cNvPr id="22" name="21 Conector recto de flecha"/>
+              <p:cNvCxnSpPr>
+                <a:stCxn id="8" idx="2"/>
+                <a:endCxn id="9" idx="0"/>
+              </p:cNvCxnSpPr>
+              <p:nvPr/>
+            </p:nvCxnSpPr>
+            <p:spPr>
+              <a:xfrm>
+                <a:off x="3383868" y="2852936"/>
+                <a:ext cx="1500" cy="360040"/>
+              </a:xfrm>
+              <a:prstGeom prst="straightConnector1">
+                <a:avLst/>
+              </a:prstGeom>
+              <a:ln>
+                <a:tailEnd type="arrow"/>
+              </a:ln>
+            </p:spPr>
+            <p:style>
+              <a:lnRef idx="2">
+                <a:schemeClr val="dk1"/>
+              </a:lnRef>
+              <a:fillRef idx="0">
+                <a:schemeClr val="dk1"/>
+              </a:fillRef>
+              <a:effectRef idx="1">
+                <a:schemeClr val="dk1"/>
+              </a:effectRef>
+              <a:fontRef idx="minor">
+                <a:schemeClr val="tx1"/>
+              </a:fontRef>
+            </p:style>
+          </p:cxnSp>
+          <p:cxnSp>
+            <p:nvCxnSpPr>
+              <p:cNvPr id="25" name="24 Conector recto de flecha"/>
+              <p:cNvCxnSpPr>
+                <a:stCxn id="9" idx="4"/>
+                <a:endCxn id="10" idx="0"/>
+              </p:cNvCxnSpPr>
+              <p:nvPr/>
+            </p:nvCxnSpPr>
+            <p:spPr>
+              <a:xfrm>
+                <a:off x="3385368" y="3717032"/>
+                <a:ext cx="5061" cy="1944216"/>
+              </a:xfrm>
+              <a:prstGeom prst="straightConnector1">
+                <a:avLst/>
+              </a:prstGeom>
+              <a:ln>
+                <a:tailEnd type="arrow"/>
+              </a:ln>
+            </p:spPr>
+            <p:style>
+              <a:lnRef idx="2">
+                <a:schemeClr val="dk1"/>
+              </a:lnRef>
+              <a:fillRef idx="0">
+                <a:schemeClr val="dk1"/>
+              </a:fillRef>
+              <a:effectRef idx="1">
+                <a:schemeClr val="dk1"/>
+              </a:effectRef>
+              <a:fontRef idx="minor">
+                <a:schemeClr val="tx1"/>
+              </a:fontRef>
+            </p:style>
+          </p:cxnSp>
+          <p:cxnSp>
+            <p:nvCxnSpPr>
+              <p:cNvPr id="28" name="27 Conector recto de flecha"/>
+              <p:cNvCxnSpPr>
+                <a:stCxn id="9" idx="4"/>
+                <a:endCxn id="11" idx="0"/>
+              </p:cNvCxnSpPr>
+              <p:nvPr/>
+            </p:nvCxnSpPr>
+            <p:spPr>
+              <a:xfrm>
+                <a:off x="3385368" y="3717032"/>
+                <a:ext cx="1472568" cy="331465"/>
+              </a:xfrm>
+              <a:prstGeom prst="straightConnector1">
+                <a:avLst/>
+              </a:prstGeom>
+              <a:ln>
+                <a:tailEnd type="arrow"/>
+              </a:ln>
+            </p:spPr>
+            <p:style>
+              <a:lnRef idx="2">
+                <a:schemeClr val="dk1"/>
+              </a:lnRef>
+              <a:fillRef idx="0">
+                <a:schemeClr val="dk1"/>
+              </a:fillRef>
+              <a:effectRef idx="1">
+                <a:schemeClr val="dk1"/>
+              </a:effectRef>
+              <a:fontRef idx="minor">
+                <a:schemeClr val="tx1"/>
+              </a:fontRef>
+            </p:style>
+          </p:cxnSp>
+          <p:cxnSp>
+            <p:nvCxnSpPr>
+              <p:cNvPr id="31" name="30 Conector recto de flecha"/>
+              <p:cNvCxnSpPr>
+                <a:stCxn id="11" idx="2"/>
+                <a:endCxn id="13" idx="0"/>
+              </p:cNvCxnSpPr>
+              <p:nvPr/>
+            </p:nvCxnSpPr>
+            <p:spPr>
+              <a:xfrm>
+                <a:off x="4857936" y="4696569"/>
+                <a:ext cx="2096" cy="315416"/>
+              </a:xfrm>
+              <a:prstGeom prst="straightConnector1">
+                <a:avLst/>
+              </a:prstGeom>
+              <a:ln>
+                <a:tailEnd type="arrow"/>
+              </a:ln>
+            </p:spPr>
+            <p:style>
+              <a:lnRef idx="2">
+                <a:schemeClr val="dk1"/>
+              </a:lnRef>
+              <a:fillRef idx="0">
+                <a:schemeClr val="dk1"/>
+              </a:fillRef>
+              <a:effectRef idx="1">
+                <a:schemeClr val="dk1"/>
+              </a:effectRef>
+              <a:fontRef idx="minor">
+                <a:schemeClr val="tx1"/>
+              </a:fontRef>
+            </p:style>
+          </p:cxnSp>
+          <p:cxnSp>
+            <p:nvCxnSpPr>
+              <p:cNvPr id="34" name="33 Conector recto de flecha"/>
+              <p:cNvCxnSpPr>
+                <a:stCxn id="10" idx="2"/>
+                <a:endCxn id="12" idx="0"/>
+              </p:cNvCxnSpPr>
+              <p:nvPr/>
+            </p:nvCxnSpPr>
+            <p:spPr>
+              <a:xfrm flipH="1">
+                <a:off x="3388484" y="6453336"/>
+                <a:ext cx="1945" cy="404664"/>
+              </a:xfrm>
+              <a:prstGeom prst="straightConnector1">
+                <a:avLst/>
+              </a:prstGeom>
+              <a:ln>
+                <a:tailEnd type="arrow"/>
+              </a:ln>
+            </p:spPr>
+            <p:style>
+              <a:lnRef idx="2">
+                <a:schemeClr val="dk1"/>
+              </a:lnRef>
+              <a:fillRef idx="0">
+                <a:schemeClr val="dk1"/>
+              </a:fillRef>
+              <a:effectRef idx="1">
+                <a:schemeClr val="dk1"/>
+              </a:effectRef>
+              <a:fontRef idx="minor">
+                <a:schemeClr val="tx1"/>
+              </a:fontRef>
+            </p:style>
+          </p:cxnSp>
+          <p:sp>
+            <p:nvSpPr>
+              <p:cNvPr id="23" name="22 Rectángulo"/>
+              <p:cNvSpPr/>
+              <p:nvPr/>
+            </p:nvSpPr>
+            <p:spPr>
+              <a:xfrm>
+                <a:off x="899592" y="4049688"/>
+                <a:ext cx="2088232" cy="648072"/>
+              </a:xfrm>
+              <a:prstGeom prst="rect">
+                <a:avLst/>
+              </a:prstGeom>
+            </p:spPr>
+            <p:style>
+              <a:lnRef idx="2">
+                <a:schemeClr val="accent1">
+                  <a:shade val="50000"/>
+                </a:schemeClr>
+              </a:lnRef>
+              <a:fillRef idx="1">
+                <a:schemeClr val="accent1"/>
+              </a:fillRef>
+              <a:effectRef idx="0">
+                <a:schemeClr val="accent1"/>
+              </a:effectRef>
+              <a:fontRef idx="minor">
+                <a:schemeClr val="lt1"/>
+              </a:fontRef>
+            </p:style>
+            <p:txBody>
+              <a:bodyPr rtlCol="0" anchor="ctr"/>
+              <a:lstStyle/>
+              <a:p>
+                <a:pPr algn="ctr"/>
+                <a:r>
+                  <a:rPr lang="es-ES" dirty="0" err="1" smtClean="0"/>
+                  <a:t>Instantiate</a:t>
+                </a:r>
+                <a:r>
+                  <a:rPr lang="es-ES" dirty="0" smtClean="0"/>
+                  <a:t>  </a:t>
+                </a:r>
+                <a:r>
+                  <a:rPr lang="es-ES" dirty="0" err="1" smtClean="0"/>
+                  <a:t>results</a:t>
+                </a:r>
+                <a:r>
+                  <a:rPr lang="es-ES" dirty="0" smtClean="0"/>
+                  <a:t/>
+                </a:r>
+                <a:br>
+                  <a:rPr lang="es-ES" dirty="0" smtClean="0"/>
+                </a:br>
+                <a:r>
+                  <a:rPr lang="es-ES" dirty="0" smtClean="0"/>
+                  <a:t>SUBDUE</a:t>
+                </a:r>
+                <a:endParaRPr lang="es-ES" dirty="0"/>
+              </a:p>
+            </p:txBody>
+          </p:sp>
+          <p:cxnSp>
+            <p:nvCxnSpPr>
+              <p:cNvPr id="33" name="32 Conector recto de flecha"/>
+              <p:cNvCxnSpPr>
+                <a:stCxn id="9" idx="4"/>
+                <a:endCxn id="23" idx="0"/>
+              </p:cNvCxnSpPr>
+              <p:nvPr/>
+            </p:nvCxnSpPr>
+            <p:spPr>
+              <a:xfrm flipH="1">
+                <a:off x="1943708" y="3717032"/>
+                <a:ext cx="1441660" cy="332656"/>
+              </a:xfrm>
+              <a:prstGeom prst="straightConnector1">
+                <a:avLst/>
+              </a:prstGeom>
+              <a:ln>
+                <a:tailEnd type="arrow"/>
+              </a:ln>
+            </p:spPr>
+            <p:style>
+              <a:lnRef idx="2">
+                <a:schemeClr val="dk1"/>
+              </a:lnRef>
+              <a:fillRef idx="0">
+                <a:schemeClr val="dk1"/>
+              </a:fillRef>
+              <a:effectRef idx="1">
+                <a:schemeClr val="dk1"/>
+              </a:effectRef>
+              <a:fontRef idx="minor">
+                <a:schemeClr val="tx1"/>
+              </a:fontRef>
+            </p:style>
+          </p:cxnSp>
+          <p:sp>
+            <p:nvSpPr>
+              <p:cNvPr id="40" name="39 Elipse"/>
+              <p:cNvSpPr/>
+              <p:nvPr/>
+            </p:nvSpPr>
+            <p:spPr>
+              <a:xfrm>
+                <a:off x="973095" y="5031934"/>
+                <a:ext cx="1944216" cy="576064"/>
+              </a:xfrm>
+              <a:prstGeom prst="ellipse">
+                <a:avLst/>
+              </a:prstGeom>
+              <a:ln w="28575">
+                <a:solidFill>
+                  <a:schemeClr val="accent6">
+                    <a:lumMod val="75000"/>
+                  </a:schemeClr>
+                </a:solidFill>
+              </a:ln>
+            </p:spPr>
+            <p:style>
+              <a:lnRef idx="1">
+                <a:schemeClr val="accent6"/>
+              </a:lnRef>
+              <a:fillRef idx="2">
+                <a:schemeClr val="accent6"/>
+              </a:fillRef>
+              <a:effectRef idx="1">
+                <a:schemeClr val="accent6"/>
+              </a:effectRef>
+              <a:fontRef idx="minor">
+                <a:schemeClr val="dk1"/>
+              </a:fontRef>
+            </p:style>
+            <p:txBody>
+              <a:bodyPr rtlCol="0" anchor="ctr"/>
+              <a:lstStyle/>
+              <a:p>
+                <a:pPr algn="ctr"/>
+                <a:r>
+                  <a:rPr lang="es-ES" sz="1400" dirty="0" err="1" smtClean="0"/>
+                  <a:t>Fragment</a:t>
+                </a:r>
+                <a:r>
+                  <a:rPr lang="es-ES" sz="1400" dirty="0" smtClean="0"/>
+                  <a:t> </a:t>
+                </a:r>
+                <a:r>
+                  <a:rPr lang="es-ES" sz="1400" dirty="0" err="1" smtClean="0"/>
+                  <a:t>Instances</a:t>
+                </a:r>
+                <a:endParaRPr lang="es-ES" sz="1400" dirty="0"/>
+              </a:p>
+            </p:txBody>
+          </p:sp>
+          <p:cxnSp>
+            <p:nvCxnSpPr>
+              <p:cNvPr id="41" name="40 Conector recto de flecha"/>
+              <p:cNvCxnSpPr>
+                <a:stCxn id="23" idx="2"/>
+                <a:endCxn id="40" idx="0"/>
+              </p:cNvCxnSpPr>
+              <p:nvPr/>
+            </p:nvCxnSpPr>
+            <p:spPr>
+              <a:xfrm>
+                <a:off x="1943708" y="4697760"/>
+                <a:ext cx="1495" cy="334174"/>
+              </a:xfrm>
+              <a:prstGeom prst="straightConnector1">
+                <a:avLst/>
+              </a:prstGeom>
+              <a:ln>
+                <a:tailEnd type="arrow"/>
+              </a:ln>
+            </p:spPr>
+            <p:style>
+              <a:lnRef idx="2">
+                <a:schemeClr val="dk1"/>
+              </a:lnRef>
+              <a:fillRef idx="0">
+                <a:schemeClr val="dk1"/>
+              </a:fillRef>
+              <a:effectRef idx="1">
+                <a:schemeClr val="dk1"/>
+              </a:effectRef>
+              <a:fontRef idx="minor">
+                <a:schemeClr val="tx1"/>
+              </a:fontRef>
+            </p:style>
+          </p:cxnSp>
+          <p:cxnSp>
+            <p:nvCxnSpPr>
+              <p:cNvPr id="45" name="44 Conector recto de flecha"/>
+              <p:cNvCxnSpPr>
+                <a:stCxn id="40" idx="4"/>
+                <a:endCxn id="10" idx="1"/>
+              </p:cNvCxnSpPr>
+              <p:nvPr/>
+            </p:nvCxnSpPr>
+            <p:spPr>
+              <a:xfrm>
+                <a:off x="1945203" y="5607998"/>
+                <a:ext cx="407670" cy="449294"/>
+              </a:xfrm>
+              <a:prstGeom prst="straightConnector1">
+                <a:avLst/>
+              </a:prstGeom>
+              <a:ln>
+                <a:tailEnd type="arrow"/>
+              </a:ln>
+            </p:spPr>
+            <p:style>
+              <a:lnRef idx="2">
+                <a:schemeClr val="dk1"/>
+              </a:lnRef>
+              <a:fillRef idx="0">
+                <a:schemeClr val="dk1"/>
+              </a:fillRef>
+              <a:effectRef idx="1">
+                <a:schemeClr val="dk1"/>
+              </a:effectRef>
+              <a:fontRef idx="minor">
+                <a:schemeClr val="tx1"/>
+              </a:fontRef>
+            </p:style>
+          </p:cxnSp>
+        </p:grpSp>
+        <p:grpSp>
+          <p:nvGrpSpPr>
+            <p:cNvPr id="103" name="102 Grupo"/>
+            <p:cNvGrpSpPr/>
+            <p:nvPr/>
+          </p:nvGrpSpPr>
+          <p:grpSpPr>
+            <a:xfrm>
+              <a:off x="4970140" y="-1611560"/>
+              <a:ext cx="5002460" cy="8829600"/>
+              <a:chOff x="4970140" y="-1611560"/>
+              <a:chExt cx="5002460" cy="8829600"/>
+            </a:xfrm>
+          </p:grpSpPr>
+          <p:grpSp>
+            <p:nvGrpSpPr>
+              <p:cNvPr id="80" name="79 Grupo"/>
+              <p:cNvGrpSpPr/>
+              <p:nvPr/>
+            </p:nvGrpSpPr>
+            <p:grpSpPr>
+              <a:xfrm>
+                <a:off x="4970140" y="-1611560"/>
+                <a:ext cx="5002460" cy="8829600"/>
+                <a:chOff x="4970140" y="-1611560"/>
+                <a:chExt cx="5002460" cy="8829600"/>
+              </a:xfrm>
+            </p:grpSpPr>
+            <p:grpSp>
+              <p:nvGrpSpPr>
+                <p:cNvPr id="26" name="70 Grupo"/>
+                <p:cNvGrpSpPr/>
+                <p:nvPr/>
+              </p:nvGrpSpPr>
+              <p:grpSpPr>
+                <a:xfrm>
+                  <a:off x="4970140" y="-1611560"/>
+                  <a:ext cx="5002460" cy="8829600"/>
+                  <a:chOff x="899592" y="-1611560"/>
+                  <a:chExt cx="5002460" cy="8829600"/>
+                </a:xfrm>
+              </p:grpSpPr>
+              <p:sp>
+                <p:nvSpPr>
+                  <p:cNvPr id="27" name="26 Rectángulo"/>
+                  <p:cNvSpPr/>
+                  <p:nvPr/>
+                </p:nvSpPr>
+                <p:spPr>
+                  <a:xfrm>
+                    <a:off x="2330227" y="-936104"/>
+                    <a:ext cx="2088232" cy="648072"/>
+                  </a:xfrm>
+                  <a:prstGeom prst="rect">
+                    <a:avLst/>
+                  </a:prstGeom>
+                </p:spPr>
+                <p:style>
+                  <a:lnRef idx="2">
+                    <a:schemeClr val="accent1">
+                      <a:shade val="50000"/>
+                    </a:schemeClr>
+                  </a:lnRef>
+                  <a:fillRef idx="1">
+                    <a:schemeClr val="accent1"/>
+                  </a:fillRef>
+                  <a:effectRef idx="0">
+                    <a:schemeClr val="accent1"/>
+                  </a:effectRef>
+                  <a:fontRef idx="minor">
+                    <a:schemeClr val="lt1"/>
+                  </a:fontRef>
+                </p:style>
+                <p:txBody>
+                  <a:bodyPr rtlCol="0" anchor="ctr"/>
+                  <a:lstStyle/>
+                  <a:p>
+                    <a:pPr algn="ctr"/>
+                    <a:r>
+                      <a:rPr lang="es-ES" dirty="0" err="1" smtClean="0"/>
+                      <a:t>Retrieve</a:t>
+                    </a:r>
+                    <a:r>
+                      <a:rPr lang="es-ES" dirty="0" smtClean="0"/>
+                      <a:t> OPMW </a:t>
+                    </a:r>
+                    <a:r>
+                      <a:rPr lang="es-ES" dirty="0" err="1" smtClean="0"/>
+                      <a:t>templates</a:t>
+                    </a:r>
+                    <a:endParaRPr lang="es-ES" dirty="0"/>
+                  </a:p>
+                </p:txBody>
+              </p:sp>
+              <p:sp>
+                <p:nvSpPr>
+                  <p:cNvPr id="29" name="28 Elipse"/>
+                  <p:cNvSpPr/>
+                  <p:nvPr/>
+                </p:nvSpPr>
+                <p:spPr>
+                  <a:xfrm>
+                    <a:off x="2502818" y="-1611560"/>
+                    <a:ext cx="1728192" cy="459432"/>
+                  </a:xfrm>
+                  <a:prstGeom prst="ellipse">
+                    <a:avLst/>
+                  </a:prstGeom>
+                  <a:ln w="28575">
+                    <a:solidFill>
+                      <a:schemeClr val="accent6">
+                        <a:lumMod val="75000"/>
+                      </a:schemeClr>
+                    </a:solidFill>
+                  </a:ln>
+                </p:spPr>
+                <p:style>
+                  <a:lnRef idx="1">
+                    <a:schemeClr val="accent6"/>
+                  </a:lnRef>
+                  <a:fillRef idx="2">
+                    <a:schemeClr val="accent6"/>
+                  </a:fillRef>
+                  <a:effectRef idx="1">
+                    <a:schemeClr val="accent6"/>
+                  </a:effectRef>
+                  <a:fontRef idx="minor">
+                    <a:schemeClr val="dk1"/>
+                  </a:fontRef>
+                </p:style>
+                <p:txBody>
+                  <a:bodyPr rtlCol="0" anchor="ctr"/>
+                  <a:lstStyle/>
+                  <a:p>
+                    <a:pPr algn="ctr"/>
+                    <a:r>
+                      <a:rPr lang="es-ES" sz="1400" dirty="0" smtClean="0"/>
+                      <a:t>OPMW</a:t>
+                    </a:r>
+                    <a:br>
+                      <a:rPr lang="es-ES" sz="1400" dirty="0" smtClean="0"/>
+                    </a:br>
+                    <a:r>
+                      <a:rPr lang="es-ES" sz="1400" dirty="0" err="1" smtClean="0"/>
+                      <a:t>Repository</a:t>
+                    </a:r>
+                    <a:endParaRPr lang="es-ES" sz="1400" dirty="0"/>
+                  </a:p>
+                </p:txBody>
+              </p:sp>
+              <p:sp>
+                <p:nvSpPr>
+                  <p:cNvPr id="30" name="29 Elipse"/>
+                  <p:cNvSpPr/>
+                  <p:nvPr/>
+                </p:nvSpPr>
+                <p:spPr>
+                  <a:xfrm>
+                    <a:off x="2574230" y="0"/>
+                    <a:ext cx="1618680" cy="404664"/>
+                  </a:xfrm>
+                  <a:prstGeom prst="ellipse">
+                    <a:avLst/>
+                  </a:prstGeom>
+                  <a:ln w="28575">
+                    <a:solidFill>
+                      <a:schemeClr val="accent6">
+                        <a:lumMod val="75000"/>
+                      </a:schemeClr>
+                    </a:solidFill>
+                  </a:ln>
+                </p:spPr>
+                <p:style>
+                  <a:lnRef idx="1">
+                    <a:schemeClr val="accent6"/>
+                  </a:lnRef>
+                  <a:fillRef idx="2">
+                    <a:schemeClr val="accent6"/>
+                  </a:fillRef>
+                  <a:effectRef idx="1">
+                    <a:schemeClr val="accent6"/>
+                  </a:effectRef>
+                  <a:fontRef idx="minor">
+                    <a:schemeClr val="dk1"/>
+                  </a:fontRef>
+                </p:style>
+                <p:txBody>
+                  <a:bodyPr rtlCol="0" anchor="ctr"/>
+                  <a:lstStyle/>
+                  <a:p>
+                    <a:pPr algn="ctr"/>
+                    <a:r>
+                      <a:rPr lang="es-ES" sz="1400" dirty="0" err="1" smtClean="0"/>
+                      <a:t>Dependency</a:t>
+                    </a:r>
+                    <a:r>
+                      <a:rPr lang="es-ES" sz="1400" dirty="0" smtClean="0"/>
+                      <a:t> </a:t>
+                    </a:r>
+                    <a:r>
+                      <a:rPr lang="es-ES" sz="1400" dirty="0" err="1" smtClean="0"/>
+                      <a:t>Graph</a:t>
+                    </a:r>
+                    <a:endParaRPr lang="es-ES" sz="1400" dirty="0"/>
+                  </a:p>
+                </p:txBody>
+              </p:sp>
+              <p:sp>
+                <p:nvSpPr>
+                  <p:cNvPr id="32" name="31 Rectángulo"/>
+                  <p:cNvSpPr/>
+                  <p:nvPr/>
+                </p:nvSpPr>
+                <p:spPr>
+                  <a:xfrm>
+                    <a:off x="2339752" y="2204864"/>
+                    <a:ext cx="2088232" cy="648072"/>
+                  </a:xfrm>
+                  <a:prstGeom prst="rect">
+                    <a:avLst/>
+                  </a:prstGeom>
+                </p:spPr>
+                <p:style>
+                  <a:lnRef idx="2">
+                    <a:schemeClr val="accent1">
+                      <a:shade val="50000"/>
+                    </a:schemeClr>
+                  </a:lnRef>
+                  <a:fillRef idx="1">
+                    <a:schemeClr val="accent1"/>
+                  </a:fillRef>
+                  <a:effectRef idx="0">
+                    <a:schemeClr val="accent1"/>
+                  </a:effectRef>
+                  <a:fontRef idx="minor">
+                    <a:schemeClr val="lt1"/>
+                  </a:fontRef>
+                </p:style>
+                <p:txBody>
+                  <a:bodyPr rtlCol="0" anchor="ctr"/>
+                  <a:lstStyle/>
+                  <a:p>
+                    <a:pPr algn="ctr"/>
+                    <a:r>
+                      <a:rPr lang="es-ES" dirty="0" smtClean="0"/>
+                      <a:t>SUBDUE</a:t>
+                    </a:r>
+                    <a:endParaRPr lang="es-ES" dirty="0"/>
+                  </a:p>
+                </p:txBody>
+              </p:sp>
+              <p:sp>
+                <p:nvSpPr>
+                  <p:cNvPr id="35" name="34 Elipse"/>
+                  <p:cNvSpPr/>
+                  <p:nvPr/>
+                </p:nvSpPr>
+                <p:spPr>
+                  <a:xfrm>
+                    <a:off x="2305248" y="3212976"/>
+                    <a:ext cx="2160240" cy="504056"/>
+                  </a:xfrm>
+                  <a:prstGeom prst="ellipse">
+                    <a:avLst/>
+                  </a:prstGeom>
+                  <a:ln w="28575">
+                    <a:solidFill>
+                      <a:schemeClr val="accent6">
+                        <a:lumMod val="75000"/>
+                      </a:schemeClr>
+                    </a:solidFill>
+                  </a:ln>
+                </p:spPr>
+                <p:style>
+                  <a:lnRef idx="1">
+                    <a:schemeClr val="accent6"/>
+                  </a:lnRef>
+                  <a:fillRef idx="2">
+                    <a:schemeClr val="accent6"/>
+                  </a:fillRef>
+                  <a:effectRef idx="1">
+                    <a:schemeClr val="accent6"/>
+                  </a:effectRef>
+                  <a:fontRef idx="minor">
+                    <a:schemeClr val="dk1"/>
+                  </a:fontRef>
+                </p:style>
+                <p:txBody>
+                  <a:bodyPr rtlCol="0" anchor="ctr"/>
+                  <a:lstStyle/>
+                  <a:p>
+                    <a:pPr algn="ctr"/>
+                    <a:r>
+                      <a:rPr lang="es-ES" sz="1400" dirty="0" err="1" smtClean="0"/>
+                      <a:t>Common</a:t>
+                    </a:r>
+                    <a:r>
+                      <a:rPr lang="es-ES" sz="1400" dirty="0" smtClean="0"/>
+                      <a:t> </a:t>
+                    </a:r>
+                    <a:r>
+                      <a:rPr lang="es-ES" sz="1400" dirty="0" err="1" smtClean="0"/>
+                      <a:t>fragment</a:t>
+                    </a:r>
+                    <a:r>
+                      <a:rPr lang="es-ES" sz="1400" dirty="0" smtClean="0"/>
+                      <a:t> </a:t>
+                    </a:r>
+                    <a:r>
+                      <a:rPr lang="es-ES" sz="1400" dirty="0" err="1" smtClean="0"/>
+                      <a:t>Results</a:t>
+                    </a:r>
+                    <a:endParaRPr lang="es-ES" sz="1400" dirty="0"/>
+                  </a:p>
+                </p:txBody>
+              </p:sp>
+              <p:sp>
+                <p:nvSpPr>
+                  <p:cNvPr id="36" name="35 Rectángulo"/>
+                  <p:cNvSpPr/>
+                  <p:nvPr/>
+                </p:nvSpPr>
+                <p:spPr>
+                  <a:xfrm>
+                    <a:off x="2352873" y="5661248"/>
+                    <a:ext cx="2075111" cy="792088"/>
+                  </a:xfrm>
+                  <a:prstGeom prst="rect">
+                    <a:avLst/>
+                  </a:prstGeom>
+                </p:spPr>
+                <p:style>
+                  <a:lnRef idx="2">
+                    <a:schemeClr val="accent1">
+                      <a:shade val="50000"/>
+                    </a:schemeClr>
+                  </a:lnRef>
+                  <a:fillRef idx="1">
+                    <a:schemeClr val="accent1"/>
+                  </a:fillRef>
+                  <a:effectRef idx="0">
+                    <a:schemeClr val="accent1"/>
+                  </a:effectRef>
+                  <a:fontRef idx="minor">
+                    <a:schemeClr val="lt1"/>
+                  </a:fontRef>
+                </p:style>
+                <p:txBody>
+                  <a:bodyPr rtlCol="0" anchor="ctr"/>
+                  <a:lstStyle/>
+                  <a:p>
+                    <a:pPr algn="ctr"/>
+                    <a:r>
+                      <a:rPr lang="es-ES" dirty="0" err="1" smtClean="0"/>
+                      <a:t>Fragment</a:t>
+                    </a:r>
+                    <a:r>
+                      <a:rPr lang="es-ES" dirty="0" smtClean="0"/>
+                      <a:t> </a:t>
+                    </a:r>
+                    <a:r>
+                      <a:rPr lang="es-ES" dirty="0" err="1" smtClean="0"/>
+                      <a:t>catalog</a:t>
+                    </a:r>
+                    <a:r>
+                      <a:rPr lang="es-ES" dirty="0" smtClean="0"/>
+                      <a:t> </a:t>
+                    </a:r>
+                    <a:r>
+                      <a:rPr lang="es-ES" dirty="0" smtClean="0"/>
+                      <a:t>and </a:t>
+                    </a:r>
+                    <a:r>
+                      <a:rPr lang="es-ES" dirty="0" err="1" smtClean="0"/>
+                      <a:t>instances</a:t>
+                    </a:r>
+                    <a:r>
+                      <a:rPr lang="es-ES" dirty="0" smtClean="0"/>
+                      <a:t> </a:t>
+                    </a:r>
+                    <a:r>
+                      <a:rPr lang="es-ES" dirty="0" err="1" smtClean="0"/>
+                      <a:t>to</a:t>
+                    </a:r>
+                    <a:r>
+                      <a:rPr lang="es-ES" dirty="0" smtClean="0"/>
+                      <a:t> WF-FD</a:t>
+                    </a:r>
+                    <a:endParaRPr lang="es-ES" dirty="0"/>
+                  </a:p>
+                </p:txBody>
+              </p:sp>
+              <p:sp>
+                <p:nvSpPr>
+                  <p:cNvPr id="37" name="36 Rectángulo"/>
+                  <p:cNvSpPr/>
+                  <p:nvPr/>
+                </p:nvSpPr>
+                <p:spPr>
+                  <a:xfrm>
+                    <a:off x="3813820" y="4048497"/>
+                    <a:ext cx="2088232" cy="648072"/>
+                  </a:xfrm>
+                  <a:prstGeom prst="rect">
+                    <a:avLst/>
+                  </a:prstGeom>
+                </p:spPr>
+                <p:style>
+                  <a:lnRef idx="2">
+                    <a:schemeClr val="accent1">
+                      <a:shade val="50000"/>
+                    </a:schemeClr>
+                  </a:lnRef>
+                  <a:fillRef idx="1">
+                    <a:schemeClr val="accent1"/>
+                  </a:fillRef>
+                  <a:effectRef idx="0">
+                    <a:schemeClr val="accent1"/>
+                  </a:effectRef>
+                  <a:fontRef idx="minor">
+                    <a:schemeClr val="lt1"/>
+                  </a:fontRef>
+                </p:style>
+                <p:txBody>
+                  <a:bodyPr rtlCol="0" anchor="ctr"/>
+                  <a:lstStyle/>
+                  <a:p>
+                    <a:pPr algn="ctr"/>
+                    <a:r>
+                      <a:rPr lang="es-ES" dirty="0" err="1" smtClean="0"/>
+                      <a:t>Get</a:t>
+                    </a:r>
+                    <a:r>
+                      <a:rPr lang="es-ES" dirty="0" smtClean="0"/>
+                      <a:t> </a:t>
+                    </a:r>
+                    <a:r>
+                      <a:rPr lang="es-ES" dirty="0" err="1" smtClean="0"/>
+                      <a:t>statistics</a:t>
+                    </a:r>
+                    <a:r>
+                      <a:rPr lang="es-ES" dirty="0" smtClean="0"/>
+                      <a:t> </a:t>
+                    </a:r>
+                    <a:r>
+                      <a:rPr lang="es-ES" dirty="0" err="1" smtClean="0"/>
+                      <a:t>from</a:t>
+                    </a:r>
+                    <a:r>
+                      <a:rPr lang="es-ES" dirty="0" smtClean="0"/>
+                      <a:t> </a:t>
+                    </a:r>
+                    <a:r>
+                      <a:rPr lang="es-ES" dirty="0" err="1" smtClean="0"/>
+                      <a:t>fragments</a:t>
+                    </a:r>
+                    <a:r>
+                      <a:rPr lang="es-ES" dirty="0" smtClean="0"/>
+                      <a:t> SUBDUE</a:t>
+                    </a:r>
+                    <a:endParaRPr lang="es-ES" dirty="0"/>
+                  </a:p>
+                </p:txBody>
+              </p:sp>
+              <p:sp>
+                <p:nvSpPr>
+                  <p:cNvPr id="38" name="37 Elipse"/>
+                  <p:cNvSpPr/>
+                  <p:nvPr/>
+                </p:nvSpPr>
+                <p:spPr>
+                  <a:xfrm>
+                    <a:off x="2743225" y="6858000"/>
+                    <a:ext cx="1290518" cy="360040"/>
+                  </a:xfrm>
+                  <a:prstGeom prst="ellipse">
+                    <a:avLst/>
+                  </a:prstGeom>
+                  <a:ln w="28575">
+                    <a:solidFill>
+                      <a:schemeClr val="accent6">
+                        <a:lumMod val="75000"/>
+                      </a:schemeClr>
+                    </a:solidFill>
+                  </a:ln>
+                </p:spPr>
+                <p:style>
+                  <a:lnRef idx="1">
+                    <a:schemeClr val="accent6"/>
+                  </a:lnRef>
+                  <a:fillRef idx="2">
+                    <a:schemeClr val="accent6"/>
+                  </a:fillRef>
+                  <a:effectRef idx="1">
+                    <a:schemeClr val="accent6"/>
+                  </a:effectRef>
+                  <a:fontRef idx="minor">
+                    <a:schemeClr val="dk1"/>
+                  </a:fontRef>
+                </p:style>
+                <p:txBody>
+                  <a:bodyPr rtlCol="0" anchor="ctr"/>
+                  <a:lstStyle/>
+                  <a:p>
+                    <a:pPr algn="ctr"/>
+                    <a:r>
+                      <a:rPr lang="es-ES" sz="1400" dirty="0" smtClean="0"/>
+                      <a:t>RDF</a:t>
+                    </a:r>
+                    <a:endParaRPr lang="es-ES" sz="1400" dirty="0"/>
+                  </a:p>
+                </p:txBody>
+              </p:sp>
+              <p:sp>
+                <p:nvSpPr>
+                  <p:cNvPr id="39" name="38 Elipse"/>
+                  <p:cNvSpPr/>
+                  <p:nvPr/>
+                </p:nvSpPr>
+                <p:spPr>
+                  <a:xfrm>
+                    <a:off x="4067944" y="5011985"/>
+                    <a:ext cx="1584176" cy="360040"/>
+                  </a:xfrm>
+                  <a:prstGeom prst="ellipse">
+                    <a:avLst/>
+                  </a:prstGeom>
+                  <a:ln w="28575">
+                    <a:solidFill>
+                      <a:schemeClr val="accent6">
+                        <a:lumMod val="75000"/>
+                      </a:schemeClr>
+                    </a:solidFill>
+                  </a:ln>
+                </p:spPr>
+                <p:style>
+                  <a:lnRef idx="1">
+                    <a:schemeClr val="accent6"/>
+                  </a:lnRef>
+                  <a:fillRef idx="2">
+                    <a:schemeClr val="accent6"/>
+                  </a:fillRef>
+                  <a:effectRef idx="1">
+                    <a:schemeClr val="accent6"/>
+                  </a:effectRef>
+                  <a:fontRef idx="minor">
+                    <a:schemeClr val="dk1"/>
+                  </a:fontRef>
+                </p:style>
+                <p:txBody>
+                  <a:bodyPr rtlCol="0" anchor="ctr"/>
+                  <a:lstStyle/>
+                  <a:p>
+                    <a:pPr algn="ctr"/>
+                    <a:r>
+                      <a:rPr lang="es-ES" sz="1400" dirty="0" err="1" smtClean="0"/>
+                      <a:t>Statistics</a:t>
+                    </a:r>
+                    <a:endParaRPr lang="es-ES" sz="1400" dirty="0"/>
+                  </a:p>
+                </p:txBody>
+              </p:sp>
+              <p:cxnSp>
+                <p:nvCxnSpPr>
+                  <p:cNvPr id="42" name="41 Conector recto de flecha"/>
+                  <p:cNvCxnSpPr>
+                    <a:stCxn id="29" idx="4"/>
+                    <a:endCxn id="27" idx="0"/>
+                  </p:cNvCxnSpPr>
+                  <p:nvPr/>
+                </p:nvCxnSpPr>
+                <p:spPr>
+                  <a:xfrm>
+                    <a:off x="3366914" y="-1152128"/>
+                    <a:ext cx="7429" cy="216024"/>
+                  </a:xfrm>
+                  <a:prstGeom prst="straightConnector1">
+                    <a:avLst/>
+                  </a:prstGeom>
+                  <a:ln>
+                    <a:tailEnd type="arrow"/>
+                  </a:ln>
+                </p:spPr>
+                <p:style>
+                  <a:lnRef idx="2">
+                    <a:schemeClr val="dk1"/>
+                  </a:lnRef>
+                  <a:fillRef idx="0">
+                    <a:schemeClr val="dk1"/>
+                  </a:fillRef>
+                  <a:effectRef idx="1">
+                    <a:schemeClr val="dk1"/>
+                  </a:effectRef>
+                  <a:fontRef idx="minor">
+                    <a:schemeClr val="tx1"/>
+                  </a:fontRef>
+                </p:style>
+              </p:cxnSp>
+              <p:cxnSp>
+                <p:nvCxnSpPr>
+                  <p:cNvPr id="43" name="42 Conector recto de flecha"/>
+                  <p:cNvCxnSpPr>
+                    <a:stCxn id="27" idx="2"/>
+                    <a:endCxn id="30" idx="0"/>
+                  </p:cNvCxnSpPr>
+                  <p:nvPr/>
+                </p:nvCxnSpPr>
+                <p:spPr>
+                  <a:xfrm>
+                    <a:off x="3374343" y="-288032"/>
+                    <a:ext cx="9227" cy="288032"/>
+                  </a:xfrm>
+                  <a:prstGeom prst="straightConnector1">
+                    <a:avLst/>
+                  </a:prstGeom>
+                  <a:ln>
+                    <a:tailEnd type="arrow"/>
+                  </a:ln>
+                </p:spPr>
+                <p:style>
+                  <a:lnRef idx="2">
+                    <a:schemeClr val="dk1"/>
+                  </a:lnRef>
+                  <a:fillRef idx="0">
+                    <a:schemeClr val="dk1"/>
+                  </a:fillRef>
+                  <a:effectRef idx="1">
+                    <a:schemeClr val="dk1"/>
+                  </a:effectRef>
+                  <a:fontRef idx="minor">
+                    <a:schemeClr val="tx1"/>
+                  </a:fontRef>
+                </p:style>
+              </p:cxnSp>
+              <p:cxnSp>
+                <p:nvCxnSpPr>
+                  <p:cNvPr id="46" name="45 Conector recto de flecha"/>
+                  <p:cNvCxnSpPr>
+                    <a:stCxn id="32" idx="2"/>
+                    <a:endCxn id="35" idx="0"/>
+                  </p:cNvCxnSpPr>
+                  <p:nvPr/>
+                </p:nvCxnSpPr>
+                <p:spPr>
+                  <a:xfrm>
+                    <a:off x="3383868" y="2852936"/>
+                    <a:ext cx="1500" cy="360040"/>
+                  </a:xfrm>
+                  <a:prstGeom prst="straightConnector1">
+                    <a:avLst/>
+                  </a:prstGeom>
+                  <a:ln>
+                    <a:tailEnd type="arrow"/>
+                  </a:ln>
+                </p:spPr>
+                <p:style>
+                  <a:lnRef idx="2">
+                    <a:schemeClr val="dk1"/>
+                  </a:lnRef>
+                  <a:fillRef idx="0">
+                    <a:schemeClr val="dk1"/>
+                  </a:fillRef>
+                  <a:effectRef idx="1">
+                    <a:schemeClr val="dk1"/>
+                  </a:effectRef>
+                  <a:fontRef idx="minor">
+                    <a:schemeClr val="tx1"/>
+                  </a:fontRef>
+                </p:style>
+              </p:cxnSp>
+              <p:cxnSp>
+                <p:nvCxnSpPr>
+                  <p:cNvPr id="47" name="46 Conector recto de flecha"/>
+                  <p:cNvCxnSpPr>
+                    <a:stCxn id="35" idx="4"/>
+                    <a:endCxn id="36" idx="0"/>
+                  </p:cNvCxnSpPr>
+                  <p:nvPr/>
+                </p:nvCxnSpPr>
+                <p:spPr>
+                  <a:xfrm>
+                    <a:off x="3385368" y="3717032"/>
+                    <a:ext cx="5061" cy="1944216"/>
+                  </a:xfrm>
+                  <a:prstGeom prst="straightConnector1">
+                    <a:avLst/>
+                  </a:prstGeom>
+                  <a:ln>
+                    <a:tailEnd type="arrow"/>
+                  </a:ln>
+                </p:spPr>
+                <p:style>
+                  <a:lnRef idx="2">
+                    <a:schemeClr val="dk1"/>
+                  </a:lnRef>
+                  <a:fillRef idx="0">
+                    <a:schemeClr val="dk1"/>
+                  </a:fillRef>
+                  <a:effectRef idx="1">
+                    <a:schemeClr val="dk1"/>
+                  </a:effectRef>
+                  <a:fontRef idx="minor">
+                    <a:schemeClr val="tx1"/>
+                  </a:fontRef>
+                </p:style>
+              </p:cxnSp>
+              <p:cxnSp>
+                <p:nvCxnSpPr>
+                  <p:cNvPr id="48" name="47 Conector recto de flecha"/>
+                  <p:cNvCxnSpPr>
+                    <a:stCxn id="35" idx="4"/>
+                    <a:endCxn id="37" idx="0"/>
+                  </p:cNvCxnSpPr>
+                  <p:nvPr/>
+                </p:nvCxnSpPr>
+                <p:spPr>
+                  <a:xfrm>
+                    <a:off x="3385368" y="3717032"/>
+                    <a:ext cx="1472568" cy="331465"/>
+                  </a:xfrm>
+                  <a:prstGeom prst="straightConnector1">
+                    <a:avLst/>
+                  </a:prstGeom>
+                  <a:ln>
+                    <a:tailEnd type="arrow"/>
+                  </a:ln>
+                </p:spPr>
+                <p:style>
+                  <a:lnRef idx="2">
+                    <a:schemeClr val="dk1"/>
+                  </a:lnRef>
+                  <a:fillRef idx="0">
+                    <a:schemeClr val="dk1"/>
+                  </a:fillRef>
+                  <a:effectRef idx="1">
+                    <a:schemeClr val="dk1"/>
+                  </a:effectRef>
+                  <a:fontRef idx="minor">
+                    <a:schemeClr val="tx1"/>
+                  </a:fontRef>
+                </p:style>
+              </p:cxnSp>
+              <p:cxnSp>
+                <p:nvCxnSpPr>
+                  <p:cNvPr id="49" name="48 Conector recto de flecha"/>
+                  <p:cNvCxnSpPr>
+                    <a:stCxn id="37" idx="2"/>
+                    <a:endCxn id="39" idx="0"/>
+                  </p:cNvCxnSpPr>
+                  <p:nvPr/>
+                </p:nvCxnSpPr>
+                <p:spPr>
+                  <a:xfrm>
+                    <a:off x="4857936" y="4696569"/>
+                    <a:ext cx="2096" cy="315416"/>
+                  </a:xfrm>
+                  <a:prstGeom prst="straightConnector1">
+                    <a:avLst/>
+                  </a:prstGeom>
+                  <a:ln>
+                    <a:tailEnd type="arrow"/>
+                  </a:ln>
+                </p:spPr>
+                <p:style>
+                  <a:lnRef idx="2">
+                    <a:schemeClr val="dk1"/>
+                  </a:lnRef>
+                  <a:fillRef idx="0">
+                    <a:schemeClr val="dk1"/>
+                  </a:fillRef>
+                  <a:effectRef idx="1">
+                    <a:schemeClr val="dk1"/>
+                  </a:effectRef>
+                  <a:fontRef idx="minor">
+                    <a:schemeClr val="tx1"/>
+                  </a:fontRef>
+                </p:style>
+              </p:cxnSp>
+              <p:cxnSp>
+                <p:nvCxnSpPr>
+                  <p:cNvPr id="50" name="49 Conector recto de flecha"/>
+                  <p:cNvCxnSpPr>
+                    <a:stCxn id="36" idx="2"/>
+                    <a:endCxn id="38" idx="0"/>
+                  </p:cNvCxnSpPr>
+                  <p:nvPr/>
+                </p:nvCxnSpPr>
+                <p:spPr>
+                  <a:xfrm flipH="1">
+                    <a:off x="3388484" y="6453336"/>
+                    <a:ext cx="1945" cy="404664"/>
+                  </a:xfrm>
+                  <a:prstGeom prst="straightConnector1">
+                    <a:avLst/>
+                  </a:prstGeom>
+                  <a:ln>
+                    <a:tailEnd type="arrow"/>
+                  </a:ln>
+                </p:spPr>
+                <p:style>
+                  <a:lnRef idx="2">
+                    <a:schemeClr val="dk1"/>
+                  </a:lnRef>
+                  <a:fillRef idx="0">
+                    <a:schemeClr val="dk1"/>
+                  </a:fillRef>
+                  <a:effectRef idx="1">
+                    <a:schemeClr val="dk1"/>
+                  </a:effectRef>
+                  <a:fontRef idx="minor">
+                    <a:schemeClr val="tx1"/>
+                  </a:fontRef>
+                </p:style>
+              </p:cxnSp>
+              <p:sp>
+                <p:nvSpPr>
+                  <p:cNvPr id="51" name="50 Rectángulo"/>
+                  <p:cNvSpPr/>
+                  <p:nvPr/>
+                </p:nvSpPr>
+                <p:spPr>
+                  <a:xfrm>
+                    <a:off x="899592" y="4049688"/>
+                    <a:ext cx="2088232" cy="648072"/>
+                  </a:xfrm>
+                  <a:prstGeom prst="rect">
+                    <a:avLst/>
+                  </a:prstGeom>
+                </p:spPr>
+                <p:style>
+                  <a:lnRef idx="2">
+                    <a:schemeClr val="accent1">
+                      <a:shade val="50000"/>
+                    </a:schemeClr>
+                  </a:lnRef>
+                  <a:fillRef idx="1">
+                    <a:schemeClr val="accent1"/>
+                  </a:fillRef>
+                  <a:effectRef idx="0">
+                    <a:schemeClr val="accent1"/>
+                  </a:effectRef>
+                  <a:fontRef idx="minor">
+                    <a:schemeClr val="lt1"/>
+                  </a:fontRef>
+                </p:style>
+                <p:txBody>
+                  <a:bodyPr rtlCol="0" anchor="ctr"/>
+                  <a:lstStyle/>
+                  <a:p>
+                    <a:pPr algn="ctr"/>
+                    <a:r>
+                      <a:rPr lang="es-ES" dirty="0" err="1" smtClean="0"/>
+                      <a:t>Instantiate</a:t>
+                    </a:r>
+                    <a:r>
+                      <a:rPr lang="es-ES" dirty="0" smtClean="0"/>
+                      <a:t>  </a:t>
+                    </a:r>
+                    <a:r>
+                      <a:rPr lang="es-ES" dirty="0" err="1" smtClean="0"/>
+                      <a:t>results</a:t>
+                    </a:r>
+                    <a:r>
+                      <a:rPr lang="es-ES" dirty="0" smtClean="0"/>
+                      <a:t/>
+                    </a:r>
+                    <a:br>
+                      <a:rPr lang="es-ES" dirty="0" smtClean="0"/>
+                    </a:br>
+                    <a:r>
+                      <a:rPr lang="es-ES" dirty="0" smtClean="0"/>
+                      <a:t>SUBDUE - </a:t>
+                    </a:r>
+                    <a:r>
+                      <a:rPr lang="es-ES" dirty="0" err="1" smtClean="0"/>
+                      <a:t>abstract</a:t>
+                    </a:r>
+                    <a:endParaRPr lang="es-ES" dirty="0"/>
+                  </a:p>
+                </p:txBody>
+              </p:sp>
+              <p:cxnSp>
+                <p:nvCxnSpPr>
+                  <p:cNvPr id="52" name="51 Conector recto de flecha"/>
+                  <p:cNvCxnSpPr>
+                    <a:stCxn id="35" idx="4"/>
+                    <a:endCxn id="51" idx="0"/>
+                  </p:cNvCxnSpPr>
+                  <p:nvPr/>
+                </p:nvCxnSpPr>
+                <p:spPr>
+                  <a:xfrm flipH="1">
+                    <a:off x="1943708" y="3717032"/>
+                    <a:ext cx="1441660" cy="332656"/>
+                  </a:xfrm>
+                  <a:prstGeom prst="straightConnector1">
+                    <a:avLst/>
+                  </a:prstGeom>
+                  <a:ln>
+                    <a:tailEnd type="arrow"/>
+                  </a:ln>
+                </p:spPr>
+                <p:style>
+                  <a:lnRef idx="2">
+                    <a:schemeClr val="dk1"/>
+                  </a:lnRef>
+                  <a:fillRef idx="0">
+                    <a:schemeClr val="dk1"/>
+                  </a:fillRef>
+                  <a:effectRef idx="1">
+                    <a:schemeClr val="dk1"/>
+                  </a:effectRef>
+                  <a:fontRef idx="minor">
+                    <a:schemeClr val="tx1"/>
+                  </a:fontRef>
+                </p:style>
+              </p:cxnSp>
+              <p:sp>
+                <p:nvSpPr>
+                  <p:cNvPr id="53" name="52 Elipse"/>
+                  <p:cNvSpPr/>
+                  <p:nvPr/>
+                </p:nvSpPr>
+                <p:spPr>
+                  <a:xfrm>
+                    <a:off x="973095" y="5031934"/>
+                    <a:ext cx="1944216" cy="576064"/>
+                  </a:xfrm>
+                  <a:prstGeom prst="ellipse">
+                    <a:avLst/>
+                  </a:prstGeom>
+                  <a:ln w="28575">
+                    <a:solidFill>
+                      <a:schemeClr val="accent6">
+                        <a:lumMod val="75000"/>
+                      </a:schemeClr>
+                    </a:solidFill>
+                  </a:ln>
+                </p:spPr>
+                <p:style>
+                  <a:lnRef idx="1">
+                    <a:schemeClr val="accent6"/>
+                  </a:lnRef>
+                  <a:fillRef idx="2">
+                    <a:schemeClr val="accent6"/>
+                  </a:fillRef>
+                  <a:effectRef idx="1">
+                    <a:schemeClr val="accent6"/>
+                  </a:effectRef>
+                  <a:fontRef idx="minor">
+                    <a:schemeClr val="dk1"/>
+                  </a:fontRef>
+                </p:style>
+                <p:txBody>
+                  <a:bodyPr rtlCol="0" anchor="ctr"/>
+                  <a:lstStyle/>
+                  <a:p>
+                    <a:pPr algn="ctr"/>
+                    <a:r>
+                      <a:rPr lang="es-ES" sz="1400" dirty="0" err="1" smtClean="0"/>
+                      <a:t>Fragment</a:t>
+                    </a:r>
+                    <a:r>
+                      <a:rPr lang="es-ES" sz="1400" dirty="0" smtClean="0"/>
+                      <a:t> </a:t>
+                    </a:r>
+                    <a:r>
+                      <a:rPr lang="es-ES" sz="1400" dirty="0" err="1" smtClean="0"/>
+                      <a:t>Instances</a:t>
+                    </a:r>
+                    <a:endParaRPr lang="es-ES" sz="1400" dirty="0"/>
+                  </a:p>
+                </p:txBody>
+              </p:sp>
+              <p:cxnSp>
+                <p:nvCxnSpPr>
+                  <p:cNvPr id="54" name="53 Conector recto de flecha"/>
+                  <p:cNvCxnSpPr>
+                    <a:stCxn id="51" idx="2"/>
+                    <a:endCxn id="53" idx="0"/>
+                  </p:cNvCxnSpPr>
+                  <p:nvPr/>
+                </p:nvCxnSpPr>
+                <p:spPr>
+                  <a:xfrm>
+                    <a:off x="1943708" y="4697760"/>
+                    <a:ext cx="1495" cy="334174"/>
+                  </a:xfrm>
+                  <a:prstGeom prst="straightConnector1">
+                    <a:avLst/>
+                  </a:prstGeom>
+                  <a:ln>
+                    <a:tailEnd type="arrow"/>
+                  </a:ln>
+                </p:spPr>
+                <p:style>
+                  <a:lnRef idx="2">
+                    <a:schemeClr val="dk1"/>
+                  </a:lnRef>
+                  <a:fillRef idx="0">
+                    <a:schemeClr val="dk1"/>
+                  </a:fillRef>
+                  <a:effectRef idx="1">
+                    <a:schemeClr val="dk1"/>
+                  </a:effectRef>
+                  <a:fontRef idx="minor">
+                    <a:schemeClr val="tx1"/>
+                  </a:fontRef>
+                </p:style>
+              </p:cxnSp>
+              <p:cxnSp>
+                <p:nvCxnSpPr>
+                  <p:cNvPr id="55" name="54 Conector recto de flecha"/>
+                  <p:cNvCxnSpPr>
+                    <a:stCxn id="53" idx="4"/>
+                    <a:endCxn id="36" idx="1"/>
+                  </p:cNvCxnSpPr>
+                  <p:nvPr/>
+                </p:nvCxnSpPr>
+                <p:spPr>
+                  <a:xfrm>
+                    <a:off x="1945203" y="5607998"/>
+                    <a:ext cx="407670" cy="449294"/>
+                  </a:xfrm>
+                  <a:prstGeom prst="straightConnector1">
+                    <a:avLst/>
+                  </a:prstGeom>
+                  <a:ln>
+                    <a:tailEnd type="arrow"/>
+                  </a:ln>
+                </p:spPr>
+                <p:style>
+                  <a:lnRef idx="2">
+                    <a:schemeClr val="dk1"/>
+                  </a:lnRef>
+                  <a:fillRef idx="0">
+                    <a:schemeClr val="dk1"/>
+                  </a:fillRef>
+                  <a:effectRef idx="1">
+                    <a:schemeClr val="dk1"/>
+                  </a:effectRef>
+                  <a:fontRef idx="minor">
+                    <a:schemeClr val="tx1"/>
+                  </a:fontRef>
+                </p:style>
+              </p:cxnSp>
+            </p:grpSp>
+            <p:sp>
+              <p:nvSpPr>
+                <p:cNvPr id="79" name="78 Rectángulo"/>
+                <p:cNvSpPr/>
+                <p:nvPr/>
+              </p:nvSpPr>
+              <p:spPr>
+                <a:xfrm>
+                  <a:off x="6410300" y="692696"/>
+                  <a:ext cx="2088232" cy="648072"/>
+                </a:xfrm>
+                <a:prstGeom prst="rect">
+                  <a:avLst/>
+                </a:prstGeom>
+              </p:spPr>
+              <p:style>
+                <a:lnRef idx="2">
+                  <a:schemeClr val="accent1">
+                    <a:shade val="50000"/>
+                  </a:schemeClr>
+                </a:lnRef>
+                <a:fillRef idx="1">
+                  <a:schemeClr val="accent1"/>
+                </a:fillRef>
+                <a:effectRef idx="0">
+                  <a:schemeClr val="accent1"/>
+                </a:effectRef>
+                <a:fontRef idx="minor">
+                  <a:schemeClr val="lt1"/>
+                </a:fontRef>
+              </p:style>
+              <p:txBody>
+                <a:bodyPr rtlCol="0" anchor="ctr"/>
+                <a:lstStyle/>
+                <a:p>
+                  <a:pPr algn="ctr"/>
+                  <a:r>
+                    <a:rPr lang="es-ES" dirty="0" err="1" smtClean="0"/>
+                    <a:t>CreateAbstract</a:t>
+                  </a:r>
+                  <a:r>
+                    <a:rPr lang="es-ES" dirty="0" smtClean="0"/>
+                    <a:t/>
+                  </a:r>
+                  <a:br>
+                    <a:rPr lang="es-ES" dirty="0" smtClean="0"/>
+                  </a:br>
+                  <a:r>
+                    <a:rPr lang="es-ES" dirty="0" err="1" smtClean="0"/>
+                    <a:t>Catalog</a:t>
+                  </a:r>
+                  <a:endParaRPr lang="es-ES" dirty="0"/>
+                </a:p>
+              </p:txBody>
+            </p:sp>
+          </p:grpSp>
+          <p:sp>
+            <p:nvSpPr>
+              <p:cNvPr id="81" name="80 Elipse"/>
+              <p:cNvSpPr/>
+              <p:nvPr/>
+            </p:nvSpPr>
+            <p:spPr>
+              <a:xfrm>
+                <a:off x="6233517" y="1584176"/>
+                <a:ext cx="2448272" cy="404664"/>
+              </a:xfrm>
+              <a:prstGeom prst="ellipse">
+                <a:avLst/>
+              </a:prstGeom>
+              <a:ln w="28575">
+                <a:solidFill>
+                  <a:schemeClr val="accent6">
+                    <a:lumMod val="75000"/>
+                  </a:schemeClr>
+                </a:solidFill>
+              </a:ln>
+            </p:spPr>
+            <p:style>
+              <a:lnRef idx="1">
+                <a:schemeClr val="accent6"/>
+              </a:lnRef>
+              <a:fillRef idx="2">
+                <a:schemeClr val="accent6"/>
+              </a:fillRef>
+              <a:effectRef idx="1">
+                <a:schemeClr val="accent6"/>
+              </a:effectRef>
+              <a:fontRef idx="minor">
+                <a:schemeClr val="dk1"/>
+              </a:fontRef>
+            </p:style>
+            <p:txBody>
+              <a:bodyPr rtlCol="0" anchor="ctr"/>
+              <a:lstStyle/>
+              <a:p>
+                <a:pPr algn="ctr"/>
+                <a:r>
+                  <a:rPr lang="es-ES" sz="1400" dirty="0" err="1" smtClean="0"/>
+                  <a:t>Abstract</a:t>
+                </a:r>
+                <a:r>
+                  <a:rPr lang="es-ES" sz="1400" dirty="0" smtClean="0"/>
+                  <a:t> </a:t>
+                </a:r>
+                <a:r>
+                  <a:rPr lang="es-ES" sz="1400" dirty="0" err="1" smtClean="0"/>
+                  <a:t>Dependency</a:t>
+                </a:r>
+                <a:r>
+                  <a:rPr lang="es-ES" sz="1400" dirty="0" smtClean="0"/>
+                  <a:t> </a:t>
+                </a:r>
+                <a:r>
+                  <a:rPr lang="es-ES" sz="1400" dirty="0" err="1" smtClean="0"/>
+                  <a:t>Graph</a:t>
+                </a:r>
+                <a:endParaRPr lang="es-ES" sz="1400" dirty="0"/>
+              </a:p>
+            </p:txBody>
+          </p:sp>
+          <p:cxnSp>
+            <p:nvCxnSpPr>
+              <p:cNvPr id="82" name="81 Conector recto de flecha"/>
+              <p:cNvCxnSpPr>
+                <a:stCxn id="30" idx="4"/>
+                <a:endCxn id="79" idx="0"/>
+              </p:cNvCxnSpPr>
+              <p:nvPr/>
+            </p:nvCxnSpPr>
+            <p:spPr>
+              <a:xfrm>
+                <a:off x="7454118" y="404664"/>
+                <a:ext cx="298" cy="288032"/>
+              </a:xfrm>
+              <a:prstGeom prst="straightConnector1">
+                <a:avLst/>
+              </a:prstGeom>
+              <a:ln>
+                <a:tailEnd type="arrow"/>
+              </a:ln>
+            </p:spPr>
+            <p:style>
+              <a:lnRef idx="2">
+                <a:schemeClr val="dk1"/>
+              </a:lnRef>
+              <a:fillRef idx="0">
+                <a:schemeClr val="dk1"/>
+              </a:fillRef>
+              <a:effectRef idx="1">
+                <a:schemeClr val="dk1"/>
+              </a:effectRef>
+              <a:fontRef idx="minor">
+                <a:schemeClr val="tx1"/>
+              </a:fontRef>
+            </p:style>
+          </p:cxnSp>
+          <p:cxnSp>
+            <p:nvCxnSpPr>
+              <p:cNvPr id="85" name="84 Conector recto de flecha"/>
+              <p:cNvCxnSpPr>
+                <a:stCxn id="79" idx="2"/>
+                <a:endCxn id="81" idx="0"/>
+              </p:cNvCxnSpPr>
+              <p:nvPr/>
+            </p:nvCxnSpPr>
+            <p:spPr>
+              <a:xfrm>
+                <a:off x="7454416" y="1340768"/>
+                <a:ext cx="3237" cy="243408"/>
+              </a:xfrm>
+              <a:prstGeom prst="straightConnector1">
+                <a:avLst/>
+              </a:prstGeom>
+              <a:ln>
+                <a:tailEnd type="arrow"/>
+              </a:ln>
+            </p:spPr>
+            <p:style>
+              <a:lnRef idx="2">
+                <a:schemeClr val="dk1"/>
+              </a:lnRef>
+              <a:fillRef idx="0">
+                <a:schemeClr val="dk1"/>
+              </a:fillRef>
+              <a:effectRef idx="1">
+                <a:schemeClr val="dk1"/>
+              </a:effectRef>
+              <a:fontRef idx="minor">
+                <a:schemeClr val="tx1"/>
+              </a:fontRef>
+            </p:style>
+          </p:cxnSp>
+          <p:cxnSp>
+            <p:nvCxnSpPr>
+              <p:cNvPr id="88" name="87 Conector recto de flecha"/>
+              <p:cNvCxnSpPr>
+                <a:stCxn id="81" idx="4"/>
+                <a:endCxn id="32" idx="0"/>
+              </p:cNvCxnSpPr>
+              <p:nvPr/>
+            </p:nvCxnSpPr>
+            <p:spPr>
+              <a:xfrm flipH="1">
+                <a:off x="7454416" y="1988840"/>
+                <a:ext cx="3237" cy="216024"/>
+              </a:xfrm>
+              <a:prstGeom prst="straightConnector1">
+                <a:avLst/>
+              </a:prstGeom>
+              <a:ln>
+                <a:tailEnd type="arrow"/>
+              </a:ln>
+            </p:spPr>
+            <p:style>
+              <a:lnRef idx="2">
+                <a:schemeClr val="dk1"/>
+              </a:lnRef>
+              <a:fillRef idx="0">
+                <a:schemeClr val="dk1"/>
+              </a:fillRef>
+              <a:effectRef idx="1">
+                <a:schemeClr val="dk1"/>
+              </a:effectRef>
+              <a:fontRef idx="minor">
+                <a:schemeClr val="tx1"/>
+              </a:fontRef>
+            </p:style>
+          </p:cxnSp>
+        </p:grpSp>
       </p:grpSp>
     </p:spTree>
   </p:cSld>
